--- a/NASA Presentation.pptx
+++ b/NASA Presentation.pptx
@@ -12,23 +12,19 @@
     <p:sldId id="280" r:id="rId6"/>
     <p:sldId id="281" r:id="rId7"/>
     <p:sldId id="282" r:id="rId8"/>
-    <p:sldId id="265" r:id="rId9"/>
-    <p:sldId id="258" r:id="rId10"/>
-    <p:sldId id="259" r:id="rId11"/>
-    <p:sldId id="260" r:id="rId12"/>
+    <p:sldId id="283" r:id="rId9"/>
+    <p:sldId id="265" r:id="rId10"/>
+    <p:sldId id="258" r:id="rId11"/>
+    <p:sldId id="259" r:id="rId12"/>
     <p:sldId id="261" r:id="rId13"/>
     <p:sldId id="266" r:id="rId14"/>
     <p:sldId id="262" r:id="rId15"/>
     <p:sldId id="263" r:id="rId16"/>
     <p:sldId id="276" r:id="rId17"/>
-    <p:sldId id="264" r:id="rId18"/>
-    <p:sldId id="267" r:id="rId19"/>
-    <p:sldId id="268" r:id="rId20"/>
-    <p:sldId id="271" r:id="rId21"/>
-    <p:sldId id="272" r:id="rId22"/>
-    <p:sldId id="273" r:id="rId23"/>
-    <p:sldId id="274" r:id="rId24"/>
-    <p:sldId id="275" r:id="rId25"/>
+    <p:sldId id="268" r:id="rId18"/>
+    <p:sldId id="271" r:id="rId19"/>
+    <p:sldId id="274" r:id="rId20"/>
+    <p:sldId id="275" r:id="rId21"/>
   </p:sldIdLst>
   <p:sldSz cx="12192000" cy="6858000"/>
   <p:notesSz cx="6858000" cy="9144000"/>
@@ -4679,7 +4675,7 @@
           <p:cNvPr id="2" name="Title 1">
             <a:extLst>
               <a:ext uri="{FF2B5EF4-FFF2-40B4-BE49-F238E27FC236}">
-                <a16:creationId xmlns:a16="http://schemas.microsoft.com/office/drawing/2014/main" id="{808BFB99-CA9B-8C87-BE11-D1F9CFBFC953}"/>
+                <a16:creationId xmlns:a16="http://schemas.microsoft.com/office/drawing/2014/main" id="{A77C316A-FD99-4DD3-643A-6098491A6040}"/>
               </a:ext>
             </a:extLst>
           </p:cNvPr>
@@ -4702,7 +4698,7 @@
                   <a:schemeClr val="bg1"/>
                 </a:solidFill>
               </a:rPr>
-              <a:t>Assumptions/Predictions</a:t>
+              <a:t>Goals</a:t>
             </a:r>
           </a:p>
         </p:txBody>
@@ -4712,18 +4708,41 @@
           <p:cNvPr id="3" name="Content Placeholder 2">
             <a:extLst>
               <a:ext uri="{FF2B5EF4-FFF2-40B4-BE49-F238E27FC236}">
-                <a16:creationId xmlns:a16="http://schemas.microsoft.com/office/drawing/2014/main" id="{2B896B2A-8FDF-966E-9FF2-52D51EEED60F}"/>
-              </a:ext>
-            </a:extLst>
-          </p:cNvPr>
-          <p:cNvSpPr>
-            <a:spLocks noGrp="1"/>
-          </p:cNvSpPr>
-          <p:nvPr>
-            <p:ph idx="1"/>
-          </p:nvPr>
-        </p:nvSpPr>
-        <p:spPr/>
+                <a16:creationId xmlns:a16="http://schemas.microsoft.com/office/drawing/2014/main" id="{6000BD2C-164C-BC3E-347F-9DD1392DB49B}"/>
+              </a:ext>
+            </a:extLst>
+          </p:cNvPr>
+          <p:cNvSpPr>
+            <a:spLocks noGrp="1"/>
+          </p:cNvSpPr>
+          <p:nvPr>
+            <p:ph sz="half" idx="1"/>
+          </p:nvPr>
+        </p:nvSpPr>
+        <p:spPr>
+          <a:solidFill>
+            <a:schemeClr val="bg1">
+              <a:alpha val="35000"/>
+            </a:schemeClr>
+          </a:solidFill>
+          <a:ln>
+            <a:noFill/>
+          </a:ln>
+        </p:spPr>
+        <p:style>
+          <a:lnRef idx="0">
+            <a:scrgbClr r="0" g="0" b="0"/>
+          </a:lnRef>
+          <a:fillRef idx="0">
+            <a:scrgbClr r="0" g="0" b="0"/>
+          </a:fillRef>
+          <a:effectRef idx="0">
+            <a:scrgbClr r="0" g="0" b="0"/>
+          </a:effectRef>
+          <a:fontRef idx="minor">
+            <a:schemeClr val="lt1"/>
+          </a:fontRef>
+        </p:style>
         <p:txBody>
           <a:bodyPr/>
           <a:lstStyle/>
@@ -4732,6 +4751,74 @@
               <a:buFont typeface="Wingdings" panose="05000000000000000000" pitchFamily="2" charset="2"/>
               <a:buChar char="Ø"/>
             </a:pPr>
+            <a:r>
+              <a:rPr lang="en-US" dirty="0"/>
+              <a:t>Use Python for data analysis</a:t>
+            </a:r>
+          </a:p>
+          <a:p>
+            <a:pPr marL="342900" indent="-342900">
+              <a:buFont typeface="Wingdings" panose="05000000000000000000" pitchFamily="2" charset="2"/>
+              <a:buChar char="Ø"/>
+            </a:pPr>
+            <a:r>
+              <a:rPr lang="en-US" dirty="0"/>
+              <a:t>Wrangle data</a:t>
+            </a:r>
+          </a:p>
+          <a:p>
+            <a:pPr marL="342900" indent="-342900">
+              <a:buFont typeface="Wingdings" panose="05000000000000000000" pitchFamily="2" charset="2"/>
+              <a:buChar char="Ø"/>
+            </a:pPr>
+            <a:r>
+              <a:rPr lang="en-US" dirty="0"/>
+              <a:t>Data analysis</a:t>
+            </a:r>
+          </a:p>
+          <a:p>
+            <a:pPr marL="342900" indent="-342900">
+              <a:buFont typeface="Wingdings" panose="05000000000000000000" pitchFamily="2" charset="2"/>
+              <a:buChar char="Ø"/>
+            </a:pPr>
+            <a:r>
+              <a:rPr lang="en-US" dirty="0"/>
+              <a:t>Data visualization</a:t>
+            </a:r>
+          </a:p>
+          <a:p>
+            <a:pPr marL="342900" indent="-342900">
+              <a:buFont typeface="Wingdings" panose="05000000000000000000" pitchFamily="2" charset="2"/>
+              <a:buChar char="Ø"/>
+            </a:pPr>
+            <a:r>
+              <a:rPr lang="en-US" dirty="0"/>
+              <a:t>Gather findings</a:t>
+            </a:r>
+          </a:p>
+        </p:txBody>
+      </p:sp>
+      <p:sp>
+        <p:nvSpPr>
+          <p:cNvPr id="4" name="Content Placeholder 3">
+            <a:extLst>
+              <a:ext uri="{FF2B5EF4-FFF2-40B4-BE49-F238E27FC236}">
+                <a16:creationId xmlns:a16="http://schemas.microsoft.com/office/drawing/2014/main" id="{C067852C-303A-76A1-A00E-22C33EACEFCB}"/>
+              </a:ext>
+            </a:extLst>
+          </p:cNvPr>
+          <p:cNvSpPr>
+            <a:spLocks noGrp="1"/>
+          </p:cNvSpPr>
+          <p:nvPr>
+            <p:ph sz="half" idx="2"/>
+          </p:nvPr>
+        </p:nvSpPr>
+        <p:spPr/>
+        <p:txBody>
+          <a:bodyPr/>
+          <a:lstStyle/>
+          <a:p>
             <a:endParaRPr lang="en-US" dirty="0"/>
           </a:p>
         </p:txBody>
@@ -4739,7 +4826,7 @@
     </p:spTree>
     <p:extLst>
       <p:ext uri="{BB962C8B-B14F-4D97-AF65-F5344CB8AC3E}">
-        <p14:creationId xmlns:p14="http://schemas.microsoft.com/office/powerpoint/2010/main" val="3347042673"/>
+        <p14:creationId xmlns:p14="http://schemas.microsoft.com/office/powerpoint/2010/main" val="3921498370"/>
       </p:ext>
     </p:extLst>
   </p:cSld>
@@ -4785,7 +4872,7 @@
           <p:cNvPr id="2" name="Title 1">
             <a:extLst>
               <a:ext uri="{FF2B5EF4-FFF2-40B4-BE49-F238E27FC236}">
-                <a16:creationId xmlns:a16="http://schemas.microsoft.com/office/drawing/2014/main" id="{3375CC68-4D4A-BD41-B44D-1877338C76E8}"/>
+                <a16:creationId xmlns:a16="http://schemas.microsoft.com/office/drawing/2014/main" id="{808BFB99-CA9B-8C87-BE11-D1F9CFBFC953}"/>
               </a:ext>
             </a:extLst>
           </p:cNvPr>
@@ -4808,7 +4895,7 @@
                   <a:schemeClr val="bg1"/>
                 </a:solidFill>
               </a:rPr>
-              <a:t>Wrangle Data</a:t>
+              <a:t>Assumptions/Predictions</a:t>
             </a:r>
           </a:p>
         </p:txBody>
@@ -4818,7 +4905,7 @@
           <p:cNvPr id="3" name="Content Placeholder 2">
             <a:extLst>
               <a:ext uri="{FF2B5EF4-FFF2-40B4-BE49-F238E27FC236}">
-                <a16:creationId xmlns:a16="http://schemas.microsoft.com/office/drawing/2014/main" id="{03023937-CDB5-0646-5DAD-7F64DCE5DF1A}"/>
+                <a16:creationId xmlns:a16="http://schemas.microsoft.com/office/drawing/2014/main" id="{2B896B2A-8FDF-966E-9FF2-52D51EEED60F}"/>
               </a:ext>
             </a:extLst>
           </p:cNvPr>
@@ -4829,13 +4916,7 @@
             <p:ph idx="1"/>
           </p:nvPr>
         </p:nvSpPr>
-        <p:spPr>
-          <a:solidFill>
-            <a:schemeClr val="bg1">
-              <a:alpha val="35000"/>
-            </a:schemeClr>
-          </a:solidFill>
-        </p:spPr>
+        <p:spPr/>
         <p:txBody>
           <a:bodyPr/>
           <a:lstStyle/>
@@ -4844,73 +4925,14 @@
               <a:buFont typeface="Wingdings" panose="05000000000000000000" pitchFamily="2" charset="2"/>
               <a:buChar char="Ø"/>
             </a:pPr>
-            <a:r>
-              <a:rPr lang="en-US" dirty="0">
-                <a:solidFill>
-                  <a:schemeClr val="bg1"/>
-                </a:solidFill>
-              </a:rPr>
-              <a:t>Data sets varied in information given</a:t>
-            </a:r>
-          </a:p>
-          <a:p>
-            <a:pPr marL="342900" indent="-342900">
-              <a:buFont typeface="Wingdings" panose="05000000000000000000" pitchFamily="2" charset="2"/>
-              <a:buChar char="Ø"/>
-            </a:pPr>
-            <a:r>
-              <a:rPr lang="en-US" dirty="0">
-                <a:solidFill>
-                  <a:schemeClr val="bg1"/>
-                </a:solidFill>
-              </a:rPr>
-              <a:t>Needed to hone into our end goal</a:t>
-            </a:r>
-          </a:p>
-          <a:p>
-            <a:pPr marL="342900" indent="-342900">
-              <a:buFont typeface="Wingdings" panose="05000000000000000000" pitchFamily="2" charset="2"/>
-              <a:buChar char="Ø"/>
-            </a:pPr>
-            <a:r>
-              <a:rPr lang="en-US" dirty="0">
-                <a:solidFill>
-                  <a:schemeClr val="bg1"/>
-                </a:solidFill>
-              </a:rPr>
-              <a:t>Data sets used:</a:t>
-            </a:r>
-          </a:p>
-          <a:p>
-            <a:r>
-              <a:rPr lang="en-US" dirty="0">
-                <a:solidFill>
-                  <a:schemeClr val="bg1"/>
-                </a:solidFill>
-              </a:rPr>
-              <a:t>(All will be linked and sourced here)</a:t>
-            </a:r>
-          </a:p>
-          <a:p>
-            <a:pPr marL="342900" indent="-342900">
-              <a:buFont typeface="Wingdings" panose="05000000000000000000" pitchFamily="2" charset="2"/>
-              <a:buChar char="Ø"/>
-            </a:pPr>
-            <a:r>
-              <a:rPr lang="en-US" dirty="0">
-                <a:solidFill>
-                  <a:schemeClr val="bg1"/>
-                </a:solidFill>
-              </a:rPr>
-              <a:t>(Explain columns that needed to be removed or merged)</a:t>
-            </a:r>
+            <a:endParaRPr lang="en-US" dirty="0"/>
           </a:p>
         </p:txBody>
       </p:sp>
     </p:spTree>
     <p:extLst>
       <p:ext uri="{BB962C8B-B14F-4D97-AF65-F5344CB8AC3E}">
-        <p14:creationId xmlns:p14="http://schemas.microsoft.com/office/powerpoint/2010/main" val="1629291537"/>
+        <p14:creationId xmlns:p14="http://schemas.microsoft.com/office/powerpoint/2010/main" val="3347042673"/>
       </p:ext>
     </p:extLst>
   </p:cSld>
@@ -5559,7 +5581,7 @@
           <p:cNvPr id="2" name="Title 1">
             <a:extLst>
               <a:ext uri="{FF2B5EF4-FFF2-40B4-BE49-F238E27FC236}">
-                <a16:creationId xmlns:a16="http://schemas.microsoft.com/office/drawing/2014/main" id="{2E87E5CA-52CE-8D29-DF6F-59B99A316F80}"/>
+                <a16:creationId xmlns:a16="http://schemas.microsoft.com/office/drawing/2014/main" id="{C3A9CF40-2389-AF66-C3DF-670449179B0D}"/>
               </a:ext>
             </a:extLst>
           </p:cNvPr>
@@ -5582,7 +5604,7 @@
                   <a:schemeClr val="bg1"/>
                 </a:solidFill>
               </a:rPr>
-              <a:t>Data Analysis</a:t>
+              <a:t>Summary/Regroup</a:t>
             </a:r>
           </a:p>
         </p:txBody>
@@ -5592,7 +5614,7 @@
           <p:cNvPr id="3" name="Content Placeholder 2">
             <a:extLst>
               <a:ext uri="{FF2B5EF4-FFF2-40B4-BE49-F238E27FC236}">
-                <a16:creationId xmlns:a16="http://schemas.microsoft.com/office/drawing/2014/main" id="{2F7506A7-C3F5-FC5F-40D9-62E5418CFBDB}"/>
+                <a16:creationId xmlns:a16="http://schemas.microsoft.com/office/drawing/2014/main" id="{E0B9DA3E-595F-D9F7-F487-C328DB636FF1}"/>
               </a:ext>
             </a:extLst>
           </p:cNvPr>
@@ -5615,7 +5637,7 @@
     </p:spTree>
     <p:extLst>
       <p:ext uri="{BB962C8B-B14F-4D97-AF65-F5344CB8AC3E}">
-        <p14:creationId xmlns:p14="http://schemas.microsoft.com/office/powerpoint/2010/main" val="177341299"/>
+        <p14:creationId xmlns:p14="http://schemas.microsoft.com/office/powerpoint/2010/main" val="4102225995"/>
       </p:ext>
     </p:extLst>
   </p:cSld>
@@ -5661,7 +5683,7 @@
           <p:cNvPr id="2" name="Title 1">
             <a:extLst>
               <a:ext uri="{FF2B5EF4-FFF2-40B4-BE49-F238E27FC236}">
-                <a16:creationId xmlns:a16="http://schemas.microsoft.com/office/drawing/2014/main" id="{F42F687B-6EAE-C216-11A0-59F03858C1F1}"/>
+                <a16:creationId xmlns:a16="http://schemas.microsoft.com/office/drawing/2014/main" id="{15E0393C-0CCA-F939-EFD7-9BBB430A9037}"/>
               </a:ext>
             </a:extLst>
           </p:cNvPr>
@@ -5684,7 +5706,7 @@
                   <a:schemeClr val="bg1"/>
                 </a:solidFill>
               </a:rPr>
-              <a:t>Statistical Significance?</a:t>
+              <a:t>(Next analysis questions based on what we found)</a:t>
             </a:r>
           </a:p>
         </p:txBody>
@@ -5694,15 +5716,15 @@
           <p:cNvPr id="3" name="Content Placeholder 2">
             <a:extLst>
               <a:ext uri="{FF2B5EF4-FFF2-40B4-BE49-F238E27FC236}">
-                <a16:creationId xmlns:a16="http://schemas.microsoft.com/office/drawing/2014/main" id="{49D6B60F-B38B-0E12-0037-8D1D17AA728A}"/>
-              </a:ext>
-            </a:extLst>
-          </p:cNvPr>
-          <p:cNvSpPr>
-            <a:spLocks noGrp="1"/>
-          </p:cNvSpPr>
-          <p:nvPr>
-            <p:ph idx="1"/>
+                <a16:creationId xmlns:a16="http://schemas.microsoft.com/office/drawing/2014/main" id="{BFF6F281-679F-08BB-AAE1-CD46D5433905}"/>
+              </a:ext>
+            </a:extLst>
+          </p:cNvPr>
+          <p:cNvSpPr>
+            <a:spLocks noGrp="1"/>
+          </p:cNvSpPr>
+          <p:nvPr>
+            <p:ph sz="half" idx="1"/>
           </p:nvPr>
         </p:nvSpPr>
         <p:spPr/>
@@ -5711,13 +5733,38 @@
           <a:lstStyle/>
           <a:p>
             <a:endParaRPr lang="en-US" dirty="0"/>
+          </a:p>
+        </p:txBody>
+      </p:sp>
+      <p:sp>
+        <p:nvSpPr>
+          <p:cNvPr id="4" name="Content Placeholder 3">
+            <a:extLst>
+              <a:ext uri="{FF2B5EF4-FFF2-40B4-BE49-F238E27FC236}">
+                <a16:creationId xmlns:a16="http://schemas.microsoft.com/office/drawing/2014/main" id="{EFC3810A-80DF-1C00-0E51-121A178AE62F}"/>
+              </a:ext>
+            </a:extLst>
+          </p:cNvPr>
+          <p:cNvSpPr>
+            <a:spLocks noGrp="1"/>
+          </p:cNvSpPr>
+          <p:nvPr>
+            <p:ph sz="half" idx="2"/>
+          </p:nvPr>
+        </p:nvSpPr>
+        <p:spPr/>
+        <p:txBody>
+          <a:bodyPr/>
+          <a:lstStyle/>
+          <a:p>
+            <a:endParaRPr lang="en-US"/>
           </a:p>
         </p:txBody>
       </p:sp>
     </p:spTree>
     <p:extLst>
       <p:ext uri="{BB962C8B-B14F-4D97-AF65-F5344CB8AC3E}">
-        <p14:creationId xmlns:p14="http://schemas.microsoft.com/office/powerpoint/2010/main" val="4188221609"/>
+        <p14:creationId xmlns:p14="http://schemas.microsoft.com/office/powerpoint/2010/main" val="330061143"/>
       </p:ext>
     </p:extLst>
   </p:cSld>
@@ -5763,7 +5810,7 @@
           <p:cNvPr id="2" name="Title 1">
             <a:extLst>
               <a:ext uri="{FF2B5EF4-FFF2-40B4-BE49-F238E27FC236}">
-                <a16:creationId xmlns:a16="http://schemas.microsoft.com/office/drawing/2014/main" id="{C3A9CF40-2389-AF66-C3DF-670449179B0D}"/>
+                <a16:creationId xmlns:a16="http://schemas.microsoft.com/office/drawing/2014/main" id="{F47FA9F6-DC5F-BBB3-EACC-832323D4F2B6}"/>
               </a:ext>
             </a:extLst>
           </p:cNvPr>
@@ -5786,7 +5833,7 @@
                   <a:schemeClr val="bg1"/>
                 </a:solidFill>
               </a:rPr>
-              <a:t>Summary/Regroup</a:t>
+              <a:t>Conclusion</a:t>
             </a:r>
           </a:p>
         </p:txBody>
@@ -5796,7 +5843,7 @@
           <p:cNvPr id="3" name="Content Placeholder 2">
             <a:extLst>
               <a:ext uri="{FF2B5EF4-FFF2-40B4-BE49-F238E27FC236}">
-                <a16:creationId xmlns:a16="http://schemas.microsoft.com/office/drawing/2014/main" id="{E0B9DA3E-595F-D9F7-F487-C328DB636FF1}"/>
+                <a16:creationId xmlns:a16="http://schemas.microsoft.com/office/drawing/2014/main" id="{B60B4124-3471-DD01-C699-CBECB0EBBAB0}"/>
               </a:ext>
             </a:extLst>
           </p:cNvPr>
@@ -5819,7 +5866,7 @@
     </p:spTree>
     <p:extLst>
       <p:ext uri="{BB962C8B-B14F-4D97-AF65-F5344CB8AC3E}">
-        <p14:creationId xmlns:p14="http://schemas.microsoft.com/office/powerpoint/2010/main" val="4102225995"/>
+        <p14:creationId xmlns:p14="http://schemas.microsoft.com/office/powerpoint/2010/main" val="2994860772"/>
       </p:ext>
     </p:extLst>
   </p:cSld>
@@ -5978,439 +6025,6 @@
 </file>
 
 <file path=ppt/slides/slide20.xml><?xml version="1.0" encoding="utf-8"?>
-<p:sld xmlns:a="http://schemas.openxmlformats.org/drawingml/2006/main" xmlns:r="http://schemas.openxmlformats.org/officeDocument/2006/relationships" xmlns:p="http://schemas.openxmlformats.org/presentationml/2006/main">
-  <p:cSld>
-    <p:bg>
-      <p:bgPr>
-        <a:blipFill dpi="0" rotWithShape="1">
-          <a:blip r:embed="rId2">
-            <a:lum/>
-          </a:blip>
-          <a:srcRect/>
-          <a:stretch>
-            <a:fillRect t="-17000" b="-17000"/>
-          </a:stretch>
-        </a:blipFill>
-        <a:effectLst/>
-      </p:bgPr>
-    </p:bg>
-    <p:spTree>
-      <p:nvGrpSpPr>
-        <p:cNvPr id="1" name=""/>
-        <p:cNvGrpSpPr/>
-        <p:nvPr/>
-      </p:nvGrpSpPr>
-      <p:grpSpPr>
-        <a:xfrm>
-          <a:off x="0" y="0"/>
-          <a:ext cx="0" cy="0"/>
-          <a:chOff x="0" y="0"/>
-          <a:chExt cx="0" cy="0"/>
-        </a:xfrm>
-      </p:grpSpPr>
-      <p:sp>
-        <p:nvSpPr>
-          <p:cNvPr id="2" name="Title 1">
-            <a:extLst>
-              <a:ext uri="{FF2B5EF4-FFF2-40B4-BE49-F238E27FC236}">
-                <a16:creationId xmlns:a16="http://schemas.microsoft.com/office/drawing/2014/main" id="{15E0393C-0CCA-F939-EFD7-9BBB430A9037}"/>
-              </a:ext>
-            </a:extLst>
-          </p:cNvPr>
-          <p:cNvSpPr>
-            <a:spLocks noGrp="1"/>
-          </p:cNvSpPr>
-          <p:nvPr>
-            <p:ph type="title"/>
-          </p:nvPr>
-        </p:nvSpPr>
-        <p:spPr/>
-        <p:txBody>
-          <a:bodyPr/>
-          <a:lstStyle/>
-          <a:p>
-            <a:pPr algn="ctr"/>
-            <a:r>
-              <a:rPr lang="en-US" dirty="0">
-                <a:solidFill>
-                  <a:schemeClr val="bg1"/>
-                </a:solidFill>
-              </a:rPr>
-              <a:t>(Next analysis questions based on what we found)</a:t>
-            </a:r>
-          </a:p>
-        </p:txBody>
-      </p:sp>
-      <p:sp>
-        <p:nvSpPr>
-          <p:cNvPr id="3" name="Content Placeholder 2">
-            <a:extLst>
-              <a:ext uri="{FF2B5EF4-FFF2-40B4-BE49-F238E27FC236}">
-                <a16:creationId xmlns:a16="http://schemas.microsoft.com/office/drawing/2014/main" id="{BFF6F281-679F-08BB-AAE1-CD46D5433905}"/>
-              </a:ext>
-            </a:extLst>
-          </p:cNvPr>
-          <p:cNvSpPr>
-            <a:spLocks noGrp="1"/>
-          </p:cNvSpPr>
-          <p:nvPr>
-            <p:ph sz="half" idx="1"/>
-          </p:nvPr>
-        </p:nvSpPr>
-        <p:spPr/>
-        <p:txBody>
-          <a:bodyPr/>
-          <a:lstStyle/>
-          <a:p>
-            <a:endParaRPr lang="en-US" dirty="0"/>
-          </a:p>
-        </p:txBody>
-      </p:sp>
-      <p:sp>
-        <p:nvSpPr>
-          <p:cNvPr id="4" name="Content Placeholder 3">
-            <a:extLst>
-              <a:ext uri="{FF2B5EF4-FFF2-40B4-BE49-F238E27FC236}">
-                <a16:creationId xmlns:a16="http://schemas.microsoft.com/office/drawing/2014/main" id="{EFC3810A-80DF-1C00-0E51-121A178AE62F}"/>
-              </a:ext>
-            </a:extLst>
-          </p:cNvPr>
-          <p:cNvSpPr>
-            <a:spLocks noGrp="1"/>
-          </p:cNvSpPr>
-          <p:nvPr>
-            <p:ph sz="half" idx="2"/>
-          </p:nvPr>
-        </p:nvSpPr>
-        <p:spPr/>
-        <p:txBody>
-          <a:bodyPr/>
-          <a:lstStyle/>
-          <a:p>
-            <a:endParaRPr lang="en-US"/>
-          </a:p>
-        </p:txBody>
-      </p:sp>
-    </p:spTree>
-    <p:extLst>
-      <p:ext uri="{BB962C8B-B14F-4D97-AF65-F5344CB8AC3E}">
-        <p14:creationId xmlns:p14="http://schemas.microsoft.com/office/powerpoint/2010/main" val="330061143"/>
-      </p:ext>
-    </p:extLst>
-  </p:cSld>
-  <p:clrMapOvr>
-    <a:masterClrMapping/>
-  </p:clrMapOvr>
-</p:sld>
-</file>
-
-<file path=ppt/slides/slide21.xml><?xml version="1.0" encoding="utf-8"?>
-<p:sld xmlns:a="http://schemas.openxmlformats.org/drawingml/2006/main" xmlns:r="http://schemas.openxmlformats.org/officeDocument/2006/relationships" xmlns:p="http://schemas.openxmlformats.org/presentationml/2006/main">
-  <p:cSld>
-    <p:bg>
-      <p:bgPr>
-        <a:blipFill dpi="0" rotWithShape="1">
-          <a:blip r:embed="rId2">
-            <a:lum/>
-          </a:blip>
-          <a:srcRect/>
-          <a:stretch>
-            <a:fillRect t="-17000" b="-17000"/>
-          </a:stretch>
-        </a:blipFill>
-        <a:effectLst/>
-      </p:bgPr>
-    </p:bg>
-    <p:spTree>
-      <p:nvGrpSpPr>
-        <p:cNvPr id="1" name=""/>
-        <p:cNvGrpSpPr/>
-        <p:nvPr/>
-      </p:nvGrpSpPr>
-      <p:grpSpPr>
-        <a:xfrm>
-          <a:off x="0" y="0"/>
-          <a:ext cx="0" cy="0"/>
-          <a:chOff x="0" y="0"/>
-          <a:chExt cx="0" cy="0"/>
-        </a:xfrm>
-      </p:grpSpPr>
-      <p:sp>
-        <p:nvSpPr>
-          <p:cNvPr id="2" name="Title 1">
-            <a:extLst>
-              <a:ext uri="{FF2B5EF4-FFF2-40B4-BE49-F238E27FC236}">
-                <a16:creationId xmlns:a16="http://schemas.microsoft.com/office/drawing/2014/main" id="{7CA2CB01-B24B-CEC8-5CFB-2E087CBDEC02}"/>
-              </a:ext>
-            </a:extLst>
-          </p:cNvPr>
-          <p:cNvSpPr>
-            <a:spLocks noGrp="1"/>
-          </p:cNvSpPr>
-          <p:nvPr>
-            <p:ph type="title"/>
-          </p:nvPr>
-        </p:nvSpPr>
-        <p:spPr/>
-        <p:txBody>
-          <a:bodyPr/>
-          <a:lstStyle/>
-          <a:p>
-            <a:pPr algn="ctr"/>
-            <a:r>
-              <a:rPr lang="en-US" dirty="0">
-                <a:solidFill>
-                  <a:schemeClr val="bg1"/>
-                </a:solidFill>
-              </a:rPr>
-              <a:t>(Additional wrangling that was required)</a:t>
-            </a:r>
-          </a:p>
-        </p:txBody>
-      </p:sp>
-      <p:sp>
-        <p:nvSpPr>
-          <p:cNvPr id="3" name="Content Placeholder 2">
-            <a:extLst>
-              <a:ext uri="{FF2B5EF4-FFF2-40B4-BE49-F238E27FC236}">
-                <a16:creationId xmlns:a16="http://schemas.microsoft.com/office/drawing/2014/main" id="{281E9037-ED97-00B5-AFAA-1A114D6A51CF}"/>
-              </a:ext>
-            </a:extLst>
-          </p:cNvPr>
-          <p:cNvSpPr>
-            <a:spLocks noGrp="1"/>
-          </p:cNvSpPr>
-          <p:nvPr>
-            <p:ph idx="1"/>
-          </p:nvPr>
-        </p:nvSpPr>
-        <p:spPr/>
-        <p:txBody>
-          <a:bodyPr/>
-          <a:lstStyle/>
-          <a:p>
-            <a:endParaRPr lang="en-US" dirty="0"/>
-          </a:p>
-        </p:txBody>
-      </p:sp>
-    </p:spTree>
-    <p:extLst>
-      <p:ext uri="{BB962C8B-B14F-4D97-AF65-F5344CB8AC3E}">
-        <p14:creationId xmlns:p14="http://schemas.microsoft.com/office/powerpoint/2010/main" val="3117075316"/>
-      </p:ext>
-    </p:extLst>
-  </p:cSld>
-  <p:clrMapOvr>
-    <a:masterClrMapping/>
-  </p:clrMapOvr>
-</p:sld>
-</file>
-
-<file path=ppt/slides/slide22.xml><?xml version="1.0" encoding="utf-8"?>
-<p:sld xmlns:a="http://schemas.openxmlformats.org/drawingml/2006/main" xmlns:r="http://schemas.openxmlformats.org/officeDocument/2006/relationships" xmlns:p="http://schemas.openxmlformats.org/presentationml/2006/main">
-  <p:cSld>
-    <p:bg>
-      <p:bgPr>
-        <a:blipFill dpi="0" rotWithShape="1">
-          <a:blip r:embed="rId2">
-            <a:lum/>
-          </a:blip>
-          <a:srcRect/>
-          <a:stretch>
-            <a:fillRect t="-17000" b="-17000"/>
-          </a:stretch>
-        </a:blipFill>
-        <a:effectLst/>
-      </p:bgPr>
-    </p:bg>
-    <p:spTree>
-      <p:nvGrpSpPr>
-        <p:cNvPr id="1" name=""/>
-        <p:cNvGrpSpPr/>
-        <p:nvPr/>
-      </p:nvGrpSpPr>
-      <p:grpSpPr>
-        <a:xfrm>
-          <a:off x="0" y="0"/>
-          <a:ext cx="0" cy="0"/>
-          <a:chOff x="0" y="0"/>
-          <a:chExt cx="0" cy="0"/>
-        </a:xfrm>
-      </p:grpSpPr>
-      <p:sp>
-        <p:nvSpPr>
-          <p:cNvPr id="2" name="Title 1">
-            <a:extLst>
-              <a:ext uri="{FF2B5EF4-FFF2-40B4-BE49-F238E27FC236}">
-                <a16:creationId xmlns:a16="http://schemas.microsoft.com/office/drawing/2014/main" id="{806D17E5-0CCF-2D4E-BD49-F1B953CB8DA6}"/>
-              </a:ext>
-            </a:extLst>
-          </p:cNvPr>
-          <p:cNvSpPr>
-            <a:spLocks noGrp="1"/>
-          </p:cNvSpPr>
-          <p:nvPr>
-            <p:ph type="title"/>
-          </p:nvPr>
-        </p:nvSpPr>
-        <p:spPr/>
-        <p:txBody>
-          <a:bodyPr/>
-          <a:lstStyle/>
-          <a:p>
-            <a:pPr algn="ctr"/>
-            <a:r>
-              <a:rPr lang="en-US" dirty="0">
-                <a:solidFill>
-                  <a:schemeClr val="bg1"/>
-                </a:solidFill>
-              </a:rPr>
-              <a:t>(Visual representation for additional queries)</a:t>
-            </a:r>
-          </a:p>
-        </p:txBody>
-      </p:sp>
-      <p:sp>
-        <p:nvSpPr>
-          <p:cNvPr id="3" name="Content Placeholder 2">
-            <a:extLst>
-              <a:ext uri="{FF2B5EF4-FFF2-40B4-BE49-F238E27FC236}">
-                <a16:creationId xmlns:a16="http://schemas.microsoft.com/office/drawing/2014/main" id="{3EC00AE9-FB92-8D3E-3E59-7BBEB336A51E}"/>
-              </a:ext>
-            </a:extLst>
-          </p:cNvPr>
-          <p:cNvSpPr>
-            <a:spLocks noGrp="1"/>
-          </p:cNvSpPr>
-          <p:nvPr>
-            <p:ph idx="1"/>
-          </p:nvPr>
-        </p:nvSpPr>
-        <p:spPr/>
-        <p:txBody>
-          <a:bodyPr/>
-          <a:lstStyle/>
-          <a:p>
-            <a:endParaRPr lang="en-US" dirty="0"/>
-          </a:p>
-        </p:txBody>
-      </p:sp>
-    </p:spTree>
-    <p:extLst>
-      <p:ext uri="{BB962C8B-B14F-4D97-AF65-F5344CB8AC3E}">
-        <p14:creationId xmlns:p14="http://schemas.microsoft.com/office/powerpoint/2010/main" val="3464424210"/>
-      </p:ext>
-    </p:extLst>
-  </p:cSld>
-  <p:clrMapOvr>
-    <a:masterClrMapping/>
-  </p:clrMapOvr>
-</p:sld>
-</file>
-
-<file path=ppt/slides/slide23.xml><?xml version="1.0" encoding="utf-8"?>
-<p:sld xmlns:a="http://schemas.openxmlformats.org/drawingml/2006/main" xmlns:r="http://schemas.openxmlformats.org/officeDocument/2006/relationships" xmlns:p="http://schemas.openxmlformats.org/presentationml/2006/main">
-  <p:cSld>
-    <p:bg>
-      <p:bgPr>
-        <a:blipFill dpi="0" rotWithShape="1">
-          <a:blip r:embed="rId2">
-            <a:lum/>
-          </a:blip>
-          <a:srcRect/>
-          <a:stretch>
-            <a:fillRect t="-17000" b="-17000"/>
-          </a:stretch>
-        </a:blipFill>
-        <a:effectLst/>
-      </p:bgPr>
-    </p:bg>
-    <p:spTree>
-      <p:nvGrpSpPr>
-        <p:cNvPr id="1" name=""/>
-        <p:cNvGrpSpPr/>
-        <p:nvPr/>
-      </p:nvGrpSpPr>
-      <p:grpSpPr>
-        <a:xfrm>
-          <a:off x="0" y="0"/>
-          <a:ext cx="0" cy="0"/>
-          <a:chOff x="0" y="0"/>
-          <a:chExt cx="0" cy="0"/>
-        </a:xfrm>
-      </p:grpSpPr>
-      <p:sp>
-        <p:nvSpPr>
-          <p:cNvPr id="2" name="Title 1">
-            <a:extLst>
-              <a:ext uri="{FF2B5EF4-FFF2-40B4-BE49-F238E27FC236}">
-                <a16:creationId xmlns:a16="http://schemas.microsoft.com/office/drawing/2014/main" id="{F47FA9F6-DC5F-BBB3-EACC-832323D4F2B6}"/>
-              </a:ext>
-            </a:extLst>
-          </p:cNvPr>
-          <p:cNvSpPr>
-            <a:spLocks noGrp="1"/>
-          </p:cNvSpPr>
-          <p:nvPr>
-            <p:ph type="title"/>
-          </p:nvPr>
-        </p:nvSpPr>
-        <p:spPr/>
-        <p:txBody>
-          <a:bodyPr/>
-          <a:lstStyle/>
-          <a:p>
-            <a:pPr algn="ctr"/>
-            <a:r>
-              <a:rPr lang="en-US" dirty="0">
-                <a:solidFill>
-                  <a:schemeClr val="bg1"/>
-                </a:solidFill>
-              </a:rPr>
-              <a:t>Conclusions</a:t>
-            </a:r>
-          </a:p>
-        </p:txBody>
-      </p:sp>
-      <p:sp>
-        <p:nvSpPr>
-          <p:cNvPr id="3" name="Content Placeholder 2">
-            <a:extLst>
-              <a:ext uri="{FF2B5EF4-FFF2-40B4-BE49-F238E27FC236}">
-                <a16:creationId xmlns:a16="http://schemas.microsoft.com/office/drawing/2014/main" id="{B60B4124-3471-DD01-C699-CBECB0EBBAB0}"/>
-              </a:ext>
-            </a:extLst>
-          </p:cNvPr>
-          <p:cNvSpPr>
-            <a:spLocks noGrp="1"/>
-          </p:cNvSpPr>
-          <p:nvPr>
-            <p:ph idx="1"/>
-          </p:nvPr>
-        </p:nvSpPr>
-        <p:spPr/>
-        <p:txBody>
-          <a:bodyPr/>
-          <a:lstStyle/>
-          <a:p>
-            <a:endParaRPr lang="en-US"/>
-          </a:p>
-        </p:txBody>
-      </p:sp>
-    </p:spTree>
-    <p:extLst>
-      <p:ext uri="{BB962C8B-B14F-4D97-AF65-F5344CB8AC3E}">
-        <p14:creationId xmlns:p14="http://schemas.microsoft.com/office/powerpoint/2010/main" val="2994860772"/>
-      </p:ext>
-    </p:extLst>
-  </p:cSld>
-  <p:clrMapOvr>
-    <a:masterClrMapping/>
-  </p:clrMapOvr>
-</p:sld>
-</file>
-
-<file path=ppt/slides/slide24.xml><?xml version="1.0" encoding="utf-8"?>
 <p:sld xmlns:a="http://schemas.openxmlformats.org/drawingml/2006/main" xmlns:r="http://schemas.openxmlformats.org/officeDocument/2006/relationships" xmlns:p="http://schemas.openxmlformats.org/presentationml/2006/main">
   <p:cSld>
     <p:bg>
@@ -7384,7 +6998,7 @@
           <p:cNvPr id="2" name="Title 1">
             <a:extLst>
               <a:ext uri="{FF2B5EF4-FFF2-40B4-BE49-F238E27FC236}">
-                <a16:creationId xmlns:a16="http://schemas.microsoft.com/office/drawing/2014/main" id="{5E0D626D-8D15-C1F5-9E06-A325BB0E1C0F}"/>
+                <a16:creationId xmlns:a16="http://schemas.microsoft.com/office/drawing/2014/main" id="{BEEE98E9-BB3C-A525-0B84-F48B65B429E9}"/>
               </a:ext>
             </a:extLst>
           </p:cNvPr>
@@ -7395,7 +7009,12 @@
             <p:ph type="title"/>
           </p:nvPr>
         </p:nvSpPr>
-        <p:spPr/>
+        <p:spPr>
+          <a:xfrm>
+            <a:off x="828216" y="-122042"/>
+            <a:ext cx="10134600" cy="1288489"/>
+          </a:xfrm>
+        </p:spPr>
         <p:txBody>
           <a:bodyPr/>
           <a:lstStyle/>
@@ -7414,10 +7033,10 @@
       </p:sp>
       <p:sp>
         <p:nvSpPr>
-          <p:cNvPr id="7" name="Content Placeholder 6">
-            <a:extLst>
-              <a:ext uri="{FF2B5EF4-FFF2-40B4-BE49-F238E27FC236}">
-                <a16:creationId xmlns:a16="http://schemas.microsoft.com/office/drawing/2014/main" id="{EB7C99DA-1ED8-F324-FF5F-5042FCDD9DAC}"/>
+          <p:cNvPr id="3" name="Content Placeholder 2">
+            <a:extLst>
+              <a:ext uri="{FF2B5EF4-FFF2-40B4-BE49-F238E27FC236}">
+                <a16:creationId xmlns:a16="http://schemas.microsoft.com/office/drawing/2014/main" id="{38FB8240-C6A6-23C7-AC85-D89FBC1BCF9C}"/>
               </a:ext>
             </a:extLst>
           </p:cNvPr>
@@ -7429,108 +7048,104 @@
           </p:nvPr>
         </p:nvSpPr>
         <p:spPr>
-          <a:gradFill flip="none" rotWithShape="1">
-            <a:gsLst>
-              <a:gs pos="0">
-                <a:schemeClr val="bg2">
-                  <a:shade val="30000"/>
-                  <a:satMod val="115000"/>
-                </a:schemeClr>
-              </a:gs>
-              <a:gs pos="50000">
-                <a:schemeClr val="bg2">
-                  <a:shade val="67500"/>
-                  <a:satMod val="115000"/>
-                </a:schemeClr>
-              </a:gs>
-              <a:gs pos="100000">
-                <a:schemeClr val="bg2">
-                  <a:shade val="100000"/>
-                  <a:satMod val="115000"/>
-                </a:schemeClr>
-              </a:gs>
-            </a:gsLst>
-            <a:path path="circle">
-              <a:fillToRect r="100000" b="100000"/>
-            </a:path>
-            <a:tileRect l="-100000" t="-100000"/>
-          </a:gradFill>
+          <a:xfrm>
+            <a:off x="926013" y="1315961"/>
+            <a:ext cx="10134600" cy="3969342"/>
+          </a:xfrm>
         </p:spPr>
         <p:txBody>
-          <a:bodyPr/>
-          <a:lstStyle/>
-          <a:p>
-            <a:pPr marL="342900" indent="-342900">
-              <a:buFont typeface="Wingdings" panose="05000000000000000000" pitchFamily="2" charset="2"/>
-              <a:buChar char="Ø"/>
-            </a:pPr>
+          <a:bodyPr>
+            <a:normAutofit lnSpcReduction="10000"/>
+          </a:bodyPr>
+          <a:lstStyle/>
+          <a:p>
             <a:r>
               <a:rPr lang="en-US" dirty="0">
                 <a:solidFill>
                   <a:schemeClr val="bg1"/>
                 </a:solidFill>
               </a:rPr>
-              <a:t>The 70’s: a springboard for women in astronomy</a:t>
-            </a:r>
-          </a:p>
-          <a:p>
-            <a:endParaRPr lang="en-US" dirty="0">
-              <a:solidFill>
-                <a:schemeClr val="bg1"/>
-              </a:solidFill>
-            </a:endParaRPr>
-          </a:p>
-          <a:p>
-            <a:pPr marL="342900" indent="-342900">
-              <a:buFont typeface="Wingdings" panose="05000000000000000000" pitchFamily="2" charset="2"/>
-              <a:buChar char="Ø"/>
-            </a:pPr>
+              <a:t>Due to direction from President Eisenhower NASA suggested astronauts be chosen from military </a:t>
+            </a:r>
+          </a:p>
+          <a:p>
             <a:r>
               <a:rPr lang="en-US" dirty="0">
                 <a:solidFill>
                   <a:schemeClr val="bg1"/>
                 </a:solidFill>
               </a:rPr>
-              <a:t>Women had worked behind the scenes since 1922</a:t>
-            </a:r>
-          </a:p>
-          <a:p>
-            <a:pPr marL="342900" indent="-342900">
-              <a:buFont typeface="Wingdings" panose="05000000000000000000" pitchFamily="2" charset="2"/>
-              <a:buChar char="Ø"/>
-            </a:pPr>
-            <a:endParaRPr lang="en-US" dirty="0">
-              <a:solidFill>
-                <a:schemeClr val="bg1"/>
-              </a:solidFill>
-            </a:endParaRPr>
-          </a:p>
-          <a:p>
-            <a:pPr marL="342900" indent="-342900">
-              <a:buFont typeface="Wingdings" panose="05000000000000000000" pitchFamily="2" charset="2"/>
-              <a:buChar char="Ø"/>
-            </a:pPr>
+              <a:t>test pilots </a:t>
+            </a:r>
+          </a:p>
+          <a:p>
             <a:r>
               <a:rPr lang="en-US" dirty="0">
                 <a:solidFill>
                   <a:schemeClr val="bg1"/>
                 </a:solidFill>
               </a:rPr>
-              <a:t>Cinema popularized women in the field</a:t>
-            </a:r>
-          </a:p>
-          <a:p>
-            <a:pPr marL="617220" lvl="1" indent="-342900">
-              <a:buFont typeface="Wingdings" panose="05000000000000000000" pitchFamily="2" charset="2"/>
-              <a:buChar char="Ø"/>
-            </a:pPr>
+              <a:t>We can see from 1959-1980 65% came from the military </a:t>
+            </a:r>
+          </a:p>
+          <a:p>
             <a:r>
               <a:rPr lang="en-US" dirty="0">
                 <a:solidFill>
                   <a:schemeClr val="bg1"/>
                 </a:solidFill>
               </a:rPr>
-              <a:t>A popular one: Star Trek</a:t>
+              <a:t>Overall less women come from the military </a:t>
+            </a:r>
+          </a:p>
+          <a:p>
+            <a:r>
+              <a:rPr lang="en-US" dirty="0">
+                <a:solidFill>
+                  <a:schemeClr val="bg1"/>
+                </a:solidFill>
+              </a:rPr>
+              <a:t>The 1970s was a stepping stone that lead women a step closer to becoming astronauts. At the </a:t>
+            </a:r>
+          </a:p>
+          <a:p>
+            <a:r>
+              <a:rPr lang="en-US" dirty="0">
+                <a:solidFill>
+                  <a:schemeClr val="bg1"/>
+                </a:solidFill>
+              </a:rPr>
+              <a:t>same time, the military began accepting women for pilot training that eventually led to women </a:t>
+            </a:r>
+          </a:p>
+          <a:p>
+            <a:r>
+              <a:rPr lang="en-US" dirty="0">
+                <a:solidFill>
+                  <a:schemeClr val="bg1"/>
+                </a:solidFill>
+              </a:rPr>
+              <a:t>astronauts.[2] In 1977, the recruitment of NASA skyrocketed because of Nichelle Nichols's help.[3] </a:t>
+            </a:r>
+          </a:p>
+          <a:p>
+            <a:r>
+              <a:rPr lang="en-US" dirty="0">
+                <a:solidFill>
+                  <a:schemeClr val="bg1"/>
+                </a:solidFill>
+              </a:rPr>
+              <a:t>Part of the advantage Nichols had in the recruitment was that her role as Lieutenant Uhura on Star </a:t>
+            </a:r>
+          </a:p>
+          <a:p>
+            <a:r>
+              <a:rPr lang="en-US" dirty="0">
+                <a:solidFill>
+                  <a:schemeClr val="bg1"/>
+                </a:solidFill>
+              </a:rPr>
+              <a:t>Trek inspired young girls to become astronauts at NASA when they grow up.[3]</a:t>
             </a:r>
           </a:p>
         </p:txBody>
@@ -7538,7 +7153,7 @@
     </p:spTree>
     <p:extLst>
       <p:ext uri="{BB962C8B-B14F-4D97-AF65-F5344CB8AC3E}">
-        <p14:creationId xmlns:p14="http://schemas.microsoft.com/office/powerpoint/2010/main" val="4216257326"/>
+        <p14:creationId xmlns:p14="http://schemas.microsoft.com/office/powerpoint/2010/main" val="621429625"/>
       </p:ext>
     </p:extLst>
   </p:cSld>
@@ -7584,7 +7199,7 @@
           <p:cNvPr id="2" name="Title 1">
             <a:extLst>
               <a:ext uri="{FF2B5EF4-FFF2-40B4-BE49-F238E27FC236}">
-                <a16:creationId xmlns:a16="http://schemas.microsoft.com/office/drawing/2014/main" id="{A77C316A-FD99-4DD3-643A-6098491A6040}"/>
+                <a16:creationId xmlns:a16="http://schemas.microsoft.com/office/drawing/2014/main" id="{5E0D626D-8D15-C1F5-9E06-A325BB0E1C0F}"/>
               </a:ext>
             </a:extLst>
           </p:cNvPr>
@@ -7595,7 +7210,12 @@
             <p:ph type="title"/>
           </p:nvPr>
         </p:nvSpPr>
-        <p:spPr/>
+        <p:spPr>
+          <a:xfrm>
+            <a:off x="994471" y="-180720"/>
+            <a:ext cx="10134600" cy="1288489"/>
+          </a:xfrm>
+        </p:spPr>
         <p:txBody>
           <a:bodyPr/>
           <a:lstStyle/>
@@ -7607,51 +7227,34 @@
                   <a:schemeClr val="bg1"/>
                 </a:solidFill>
               </a:rPr>
-              <a:t>Goals</a:t>
-            </a:r>
-          </a:p>
-        </p:txBody>
-      </p:sp>
-      <p:sp>
-        <p:nvSpPr>
-          <p:cNvPr id="3" name="Content Placeholder 2">
-            <a:extLst>
-              <a:ext uri="{FF2B5EF4-FFF2-40B4-BE49-F238E27FC236}">
-                <a16:creationId xmlns:a16="http://schemas.microsoft.com/office/drawing/2014/main" id="{6000BD2C-164C-BC3E-347F-9DD1392DB49B}"/>
-              </a:ext>
-            </a:extLst>
-          </p:cNvPr>
-          <p:cNvSpPr>
-            <a:spLocks noGrp="1"/>
-          </p:cNvSpPr>
-          <p:nvPr>
-            <p:ph sz="half" idx="1"/>
+              <a:t>Background</a:t>
+            </a:r>
+          </a:p>
+        </p:txBody>
+      </p:sp>
+      <p:sp>
+        <p:nvSpPr>
+          <p:cNvPr id="7" name="Content Placeholder 6">
+            <a:extLst>
+              <a:ext uri="{FF2B5EF4-FFF2-40B4-BE49-F238E27FC236}">
+                <a16:creationId xmlns:a16="http://schemas.microsoft.com/office/drawing/2014/main" id="{EB7C99DA-1ED8-F324-FF5F-5042FCDD9DAC}"/>
+              </a:ext>
+            </a:extLst>
+          </p:cNvPr>
+          <p:cNvSpPr>
+            <a:spLocks noGrp="1"/>
+          </p:cNvSpPr>
+          <p:nvPr>
+            <p:ph idx="1"/>
           </p:nvPr>
         </p:nvSpPr>
         <p:spPr>
-          <a:solidFill>
-            <a:schemeClr val="bg1">
-              <a:alpha val="35000"/>
-            </a:schemeClr>
-          </a:solidFill>
-          <a:ln>
-            <a:noFill/>
-          </a:ln>
+          <a:xfrm>
+            <a:off x="745089" y="1183935"/>
+            <a:ext cx="10134600" cy="3969342"/>
+          </a:xfrm>
+          <a:noFill/>
         </p:spPr>
-        <p:style>
-          <a:lnRef idx="0">
-            <a:scrgbClr r="0" g="0" b="0"/>
-          </a:lnRef>
-          <a:fillRef idx="0">
-            <a:scrgbClr r="0" g="0" b="0"/>
-          </a:fillRef>
-          <a:effectRef idx="0">
-            <a:scrgbClr r="0" g="0" b="0"/>
-          </a:effectRef>
-          <a:fontRef idx="minor">
-            <a:schemeClr val="lt1"/>
-          </a:fontRef>
-        </p:style>
         <p:txBody>
           <a:bodyPr/>
           <a:lstStyle/>
@@ -7661,9 +7264,20 @@
               <a:buChar char="Ø"/>
             </a:pPr>
             <a:r>
-              <a:rPr lang="en-US" dirty="0"/>
-              <a:t>Use Python for data analysis</a:t>
-            </a:r>
+              <a:rPr lang="en-US" dirty="0">
+                <a:solidFill>
+                  <a:schemeClr val="bg1"/>
+                </a:solidFill>
+              </a:rPr>
+              <a:t>The 70’s: a springboard for women in astronomy</a:t>
+            </a:r>
+          </a:p>
+          <a:p>
+            <a:endParaRPr lang="en-US" dirty="0">
+              <a:solidFill>
+                <a:schemeClr val="bg1"/>
+              </a:solidFill>
+            </a:endParaRPr>
           </a:p>
           <a:p>
             <a:pPr marL="342900" indent="-342900">
@@ -7671,8 +7285,12 @@
               <a:buChar char="Ø"/>
             </a:pPr>
             <a:r>
-              <a:rPr lang="en-US" dirty="0"/>
-              <a:t>Wrangle data</a:t>
+              <a:rPr lang="en-US" dirty="0">
+                <a:solidFill>
+                  <a:schemeClr val="bg1"/>
+                </a:solidFill>
+              </a:rPr>
+              <a:t>Women had worked behind the scenes since 1922</a:t>
             </a:r>
           </a:p>
           <a:p>
@@ -7680,10 +7298,11 @@
               <a:buFont typeface="Wingdings" panose="05000000000000000000" pitchFamily="2" charset="2"/>
               <a:buChar char="Ø"/>
             </a:pPr>
-            <a:r>
-              <a:rPr lang="en-US" dirty="0"/>
-              <a:t>Data analysis</a:t>
-            </a:r>
+            <a:endParaRPr lang="en-US" dirty="0">
+              <a:solidFill>
+                <a:schemeClr val="bg1"/>
+              </a:solidFill>
+            </a:endParaRPr>
           </a:p>
           <a:p>
             <a:pPr marL="342900" indent="-342900">
@@ -7691,51 +7310,34 @@
               <a:buChar char="Ø"/>
             </a:pPr>
             <a:r>
-              <a:rPr lang="en-US" dirty="0"/>
-              <a:t>Data visualization</a:t>
-            </a:r>
-          </a:p>
-          <a:p>
-            <a:pPr marL="342900" indent="-342900">
+              <a:rPr lang="en-US" dirty="0">
+                <a:solidFill>
+                  <a:schemeClr val="bg1"/>
+                </a:solidFill>
+              </a:rPr>
+              <a:t>Cinema popularized women in the field</a:t>
+            </a:r>
+          </a:p>
+          <a:p>
+            <a:pPr marL="617220" lvl="1" indent="-342900">
               <a:buFont typeface="Wingdings" panose="05000000000000000000" pitchFamily="2" charset="2"/>
               <a:buChar char="Ø"/>
             </a:pPr>
             <a:r>
-              <a:rPr lang="en-US" dirty="0"/>
-              <a:t>Gather findings</a:t>
-            </a:r>
-          </a:p>
-        </p:txBody>
-      </p:sp>
-      <p:sp>
-        <p:nvSpPr>
-          <p:cNvPr id="4" name="Content Placeholder 3">
-            <a:extLst>
-              <a:ext uri="{FF2B5EF4-FFF2-40B4-BE49-F238E27FC236}">
-                <a16:creationId xmlns:a16="http://schemas.microsoft.com/office/drawing/2014/main" id="{C067852C-303A-76A1-A00E-22C33EACEFCB}"/>
-              </a:ext>
-            </a:extLst>
-          </p:cNvPr>
-          <p:cNvSpPr>
-            <a:spLocks noGrp="1"/>
-          </p:cNvSpPr>
-          <p:nvPr>
-            <p:ph sz="half" idx="2"/>
-          </p:nvPr>
-        </p:nvSpPr>
-        <p:spPr/>
-        <p:txBody>
-          <a:bodyPr/>
-          <a:lstStyle/>
-          <a:p>
-            <a:endParaRPr lang="en-US" dirty="0"/>
+              <a:rPr lang="en-US" dirty="0">
+                <a:solidFill>
+                  <a:schemeClr val="bg1"/>
+                </a:solidFill>
+              </a:rPr>
+              <a:t>A popular one: Star Trek</a:t>
+            </a:r>
           </a:p>
         </p:txBody>
       </p:sp>
     </p:spTree>
     <p:extLst>
       <p:ext uri="{BB962C8B-B14F-4D97-AF65-F5344CB8AC3E}">
-        <p14:creationId xmlns:p14="http://schemas.microsoft.com/office/powerpoint/2010/main" val="3921498370"/>
+        <p14:creationId xmlns:p14="http://schemas.microsoft.com/office/powerpoint/2010/main" val="4216257326"/>
       </p:ext>
     </p:extLst>
   </p:cSld>

--- a/NASA Presentation.pptx
+++ b/NASA Presentation.pptx
@@ -14,17 +14,24 @@
     <p:sldId id="282" r:id="rId8"/>
     <p:sldId id="283" r:id="rId9"/>
     <p:sldId id="265" r:id="rId10"/>
-    <p:sldId id="258" r:id="rId11"/>
-    <p:sldId id="259" r:id="rId12"/>
-    <p:sldId id="261" r:id="rId13"/>
-    <p:sldId id="266" r:id="rId14"/>
-    <p:sldId id="262" r:id="rId15"/>
-    <p:sldId id="263" r:id="rId16"/>
-    <p:sldId id="276" r:id="rId17"/>
-    <p:sldId id="268" r:id="rId18"/>
-    <p:sldId id="271" r:id="rId19"/>
-    <p:sldId id="274" r:id="rId20"/>
-    <p:sldId id="275" r:id="rId21"/>
+    <p:sldId id="290" r:id="rId11"/>
+    <p:sldId id="291" r:id="rId12"/>
+    <p:sldId id="292" r:id="rId13"/>
+    <p:sldId id="284" r:id="rId14"/>
+    <p:sldId id="259" r:id="rId15"/>
+    <p:sldId id="261" r:id="rId16"/>
+    <p:sldId id="266" r:id="rId17"/>
+    <p:sldId id="262" r:id="rId18"/>
+    <p:sldId id="263" r:id="rId19"/>
+    <p:sldId id="276" r:id="rId20"/>
+    <p:sldId id="285" r:id="rId21"/>
+    <p:sldId id="286" r:id="rId22"/>
+    <p:sldId id="287" r:id="rId23"/>
+    <p:sldId id="288" r:id="rId24"/>
+    <p:sldId id="289" r:id="rId25"/>
+    <p:sldId id="268" r:id="rId26"/>
+    <p:sldId id="274" r:id="rId27"/>
+    <p:sldId id="275" r:id="rId28"/>
   </p:sldIdLst>
   <p:sldSz cx="12192000" cy="6858000"/>
   <p:notesSz cx="6858000" cy="9144000"/>
@@ -124,6 +131,41 @@
     </a:lvl9pPr>
   </p:defaultTextStyle>
   <p:extLst>
+    <p:ext uri="{521415D9-36F7-43E2-AB2F-B90AF26B5E84}">
+      <p14:sectionLst xmlns:p14="http://schemas.microsoft.com/office/powerpoint/2010/main">
+        <p14:section name="Default Section" id="{9048A88E-F4BB-412E-B93C-511410205BAF}">
+          <p14:sldIdLst>
+            <p14:sldId id="256"/>
+            <p14:sldId id="277"/>
+            <p14:sldId id="278"/>
+            <p14:sldId id="279"/>
+            <p14:sldId id="280"/>
+            <p14:sldId id="281"/>
+            <p14:sldId id="282"/>
+            <p14:sldId id="283"/>
+            <p14:sldId id="265"/>
+            <p14:sldId id="290"/>
+            <p14:sldId id="291"/>
+            <p14:sldId id="292"/>
+            <p14:sldId id="284"/>
+            <p14:sldId id="259"/>
+            <p14:sldId id="261"/>
+            <p14:sldId id="266"/>
+            <p14:sldId id="262"/>
+            <p14:sldId id="263"/>
+            <p14:sldId id="276"/>
+            <p14:sldId id="285"/>
+            <p14:sldId id="286"/>
+            <p14:sldId id="287"/>
+            <p14:sldId id="288"/>
+            <p14:sldId id="289"/>
+            <p14:sldId id="268"/>
+            <p14:sldId id="274"/>
+            <p14:sldId id="275"/>
+          </p14:sldIdLst>
+        </p14:section>
+      </p14:sectionLst>
+    </p:ext>
     <p:ext uri="{EFAFB233-063F-42B5-8137-9DF3F51BA10A}">
       <p15:sldGuideLst xmlns:p15="http://schemas.microsoft.com/office/powerpoint/2012/main"/>
     </p:ext>
@@ -340,7 +382,7 @@
           <a:p>
             <a:fld id="{C485584D-7D79-4248-9986-4CA35242F944}" type="datetimeFigureOut">
               <a:rPr lang="en-US" smtClean="0"/>
-              <a:t>5/18/2022</a:t>
+              <a:t>5/19/2022</a:t>
             </a:fld>
             <a:endParaRPr lang="en-US"/>
           </a:p>
@@ -714,7 +756,7 @@
           <a:p>
             <a:fld id="{C485584D-7D79-4248-9986-4CA35242F944}" type="datetimeFigureOut">
               <a:rPr lang="en-US" smtClean="0"/>
-              <a:t>5/18/2022</a:t>
+              <a:t>5/19/2022</a:t>
             </a:fld>
             <a:endParaRPr lang="en-US"/>
           </a:p>
@@ -924,7 +966,7 @@
           <a:p>
             <a:fld id="{C485584D-7D79-4248-9986-4CA35242F944}" type="datetimeFigureOut">
               <a:rPr lang="en-US" smtClean="0"/>
-              <a:t>5/18/2022</a:t>
+              <a:t>5/19/2022</a:t>
             </a:fld>
             <a:endParaRPr lang="en-US"/>
           </a:p>
@@ -1123,7 +1165,7 @@
           <a:p>
             <a:fld id="{C485584D-7D79-4248-9986-4CA35242F944}" type="datetimeFigureOut">
               <a:rPr lang="en-US" smtClean="0"/>
-              <a:t>5/18/2022</a:t>
+              <a:t>5/19/2022</a:t>
             </a:fld>
             <a:endParaRPr lang="en-US"/>
           </a:p>
@@ -1236,7 +1278,7 @@
           <a:p>
             <a:fld id="{C485584D-7D79-4248-9986-4CA35242F944}" type="datetimeFigureOut">
               <a:rPr lang="en-US" smtClean="0"/>
-              <a:t>5/18/2022</a:t>
+              <a:t>5/19/2022</a:t>
             </a:fld>
             <a:endParaRPr lang="en-US"/>
           </a:p>
@@ -1972,7 +2014,7 @@
           <a:p>
             <a:fld id="{C485584D-7D79-4248-9986-4CA35242F944}" type="datetimeFigureOut">
               <a:rPr lang="en-US" smtClean="0"/>
-              <a:t>5/18/2022</a:t>
+              <a:t>5/19/2022</a:t>
             </a:fld>
             <a:endParaRPr lang="en-US"/>
           </a:p>
@@ -2388,7 +2430,7 @@
           <a:p>
             <a:fld id="{C485584D-7D79-4248-9986-4CA35242F944}" type="datetimeFigureOut">
               <a:rPr lang="en-US" smtClean="0"/>
-              <a:t>5/18/2022</a:t>
+              <a:t>5/19/2022</a:t>
             </a:fld>
             <a:endParaRPr lang="en-US"/>
           </a:p>
@@ -2529,7 +2571,7 @@
           <a:p>
             <a:fld id="{C485584D-7D79-4248-9986-4CA35242F944}" type="datetimeFigureOut">
               <a:rPr lang="en-US" smtClean="0"/>
-              <a:t>5/18/2022</a:t>
+              <a:t>5/19/2022</a:t>
             </a:fld>
             <a:endParaRPr lang="en-US"/>
           </a:p>
@@ -2642,7 +2684,7 @@
           <a:p>
             <a:fld id="{C485584D-7D79-4248-9986-4CA35242F944}" type="datetimeFigureOut">
               <a:rPr lang="en-US" smtClean="0"/>
-              <a:t>5/18/2022</a:t>
+              <a:t>5/19/2022</a:t>
             </a:fld>
             <a:endParaRPr lang="en-US"/>
           </a:p>
@@ -2955,7 +2997,7 @@
           <a:p>
             <a:fld id="{C485584D-7D79-4248-9986-4CA35242F944}" type="datetimeFigureOut">
               <a:rPr lang="en-US" smtClean="0"/>
-              <a:t>5/18/2022</a:t>
+              <a:t>5/19/2022</a:t>
             </a:fld>
             <a:endParaRPr lang="en-US"/>
           </a:p>
@@ -3247,7 +3289,7 @@
           <a:p>
             <a:fld id="{C485584D-7D79-4248-9986-4CA35242F944}" type="datetimeFigureOut">
               <a:rPr lang="en-US" smtClean="0"/>
-              <a:t>5/18/2022</a:t>
+              <a:t>5/19/2022</a:t>
             </a:fld>
             <a:endParaRPr lang="en-US"/>
           </a:p>
@@ -3531,7 +3573,7 @@
           <a:p>
             <a:fld id="{C485584D-7D79-4248-9986-4CA35242F944}" type="datetimeFigureOut">
               <a:rPr lang="en-US" smtClean="0"/>
-              <a:t>5/18/2022</a:t>
+              <a:t>5/19/2022</a:t>
             </a:fld>
             <a:endParaRPr lang="en-US"/>
           </a:p>
@@ -4675,7 +4717,7 @@
           <p:cNvPr id="2" name="Title 1">
             <a:extLst>
               <a:ext uri="{FF2B5EF4-FFF2-40B4-BE49-F238E27FC236}">
-                <a16:creationId xmlns:a16="http://schemas.microsoft.com/office/drawing/2014/main" id="{A77C316A-FD99-4DD3-643A-6098491A6040}"/>
+                <a16:creationId xmlns:a16="http://schemas.microsoft.com/office/drawing/2014/main" id="{B787B101-77E8-3F9D-98AA-DA4C5A67AA7A}"/>
               </a:ext>
             </a:extLst>
           </p:cNvPr>
@@ -4698,7 +4740,7 @@
                   <a:schemeClr val="bg1"/>
                 </a:solidFill>
               </a:rPr>
-              <a:t>Goals</a:t>
+              <a:t>Methods</a:t>
             </a:r>
           </a:p>
         </p:txBody>
@@ -4708,125 +4750,135 @@
           <p:cNvPr id="3" name="Content Placeholder 2">
             <a:extLst>
               <a:ext uri="{FF2B5EF4-FFF2-40B4-BE49-F238E27FC236}">
-                <a16:creationId xmlns:a16="http://schemas.microsoft.com/office/drawing/2014/main" id="{6000BD2C-164C-BC3E-347F-9DD1392DB49B}"/>
-              </a:ext>
-            </a:extLst>
-          </p:cNvPr>
-          <p:cNvSpPr>
-            <a:spLocks noGrp="1"/>
-          </p:cNvSpPr>
-          <p:nvPr>
-            <p:ph sz="half" idx="1"/>
-          </p:nvPr>
-        </p:nvSpPr>
-        <p:spPr>
-          <a:solidFill>
-            <a:schemeClr val="bg1">
-              <a:alpha val="35000"/>
-            </a:schemeClr>
-          </a:solidFill>
-          <a:ln>
-            <a:noFill/>
-          </a:ln>
-        </p:spPr>
-        <p:style>
-          <a:lnRef idx="0">
-            <a:scrgbClr r="0" g="0" b="0"/>
-          </a:lnRef>
-          <a:fillRef idx="0">
-            <a:scrgbClr r="0" g="0" b="0"/>
-          </a:fillRef>
-          <a:effectRef idx="0">
-            <a:scrgbClr r="0" g="0" b="0"/>
-          </a:effectRef>
-          <a:fontRef idx="minor">
-            <a:schemeClr val="lt1"/>
-          </a:fontRef>
-        </p:style>
-        <p:txBody>
-          <a:bodyPr/>
-          <a:lstStyle/>
-          <a:p>
-            <a:pPr marL="342900" indent="-342900">
-              <a:buFont typeface="Wingdings" panose="05000000000000000000" pitchFamily="2" charset="2"/>
-              <a:buChar char="Ø"/>
-            </a:pPr>
-            <a:r>
-              <a:rPr lang="en-US" dirty="0"/>
-              <a:t>Use Python for data analysis</a:t>
-            </a:r>
-          </a:p>
-          <a:p>
-            <a:pPr marL="342900" indent="-342900">
-              <a:buFont typeface="Wingdings" panose="05000000000000000000" pitchFamily="2" charset="2"/>
-              <a:buChar char="Ø"/>
-            </a:pPr>
-            <a:r>
-              <a:rPr lang="en-US" dirty="0"/>
-              <a:t>Wrangle data</a:t>
-            </a:r>
-          </a:p>
-          <a:p>
-            <a:pPr marL="342900" indent="-342900">
-              <a:buFont typeface="Wingdings" panose="05000000000000000000" pitchFamily="2" charset="2"/>
-              <a:buChar char="Ø"/>
-            </a:pPr>
-            <a:r>
-              <a:rPr lang="en-US" dirty="0"/>
-              <a:t>Data analysis</a:t>
-            </a:r>
-          </a:p>
-          <a:p>
-            <a:pPr marL="342900" indent="-342900">
-              <a:buFont typeface="Wingdings" panose="05000000000000000000" pitchFamily="2" charset="2"/>
-              <a:buChar char="Ø"/>
-            </a:pPr>
-            <a:r>
-              <a:rPr lang="en-US" dirty="0"/>
-              <a:t>Data visualization</a:t>
-            </a:r>
-          </a:p>
-          <a:p>
-            <a:pPr marL="342900" indent="-342900">
-              <a:buFont typeface="Wingdings" panose="05000000000000000000" pitchFamily="2" charset="2"/>
-              <a:buChar char="Ø"/>
-            </a:pPr>
-            <a:r>
-              <a:rPr lang="en-US" dirty="0"/>
-              <a:t>Gather findings</a:t>
-            </a:r>
-          </a:p>
-        </p:txBody>
-      </p:sp>
-      <p:sp>
-        <p:nvSpPr>
-          <p:cNvPr id="4" name="Content Placeholder 3">
-            <a:extLst>
-              <a:ext uri="{FF2B5EF4-FFF2-40B4-BE49-F238E27FC236}">
-                <a16:creationId xmlns:a16="http://schemas.microsoft.com/office/drawing/2014/main" id="{C067852C-303A-76A1-A00E-22C33EACEFCB}"/>
-              </a:ext>
-            </a:extLst>
-          </p:cNvPr>
-          <p:cNvSpPr>
-            <a:spLocks noGrp="1"/>
-          </p:cNvSpPr>
-          <p:nvPr>
-            <p:ph sz="half" idx="2"/>
+                <a16:creationId xmlns:a16="http://schemas.microsoft.com/office/drawing/2014/main" id="{76E3D6EA-1D4B-515C-713A-5EBC4F46BF2D}"/>
+              </a:ext>
+            </a:extLst>
+          </p:cNvPr>
+          <p:cNvSpPr>
+            <a:spLocks noGrp="1"/>
+          </p:cNvSpPr>
+          <p:nvPr>
+            <p:ph idx="1"/>
           </p:nvPr>
         </p:nvSpPr>
         <p:spPr/>
         <p:txBody>
-          <a:bodyPr/>
-          <a:lstStyle/>
-          <a:p>
-            <a:endParaRPr lang="en-US" dirty="0"/>
+          <a:bodyPr>
+            <a:normAutofit lnSpcReduction="10000"/>
+          </a:bodyPr>
+          <a:lstStyle/>
+          <a:p>
+            <a:r>
+              <a:rPr lang="en-US" dirty="0">
+                <a:solidFill>
+                  <a:schemeClr val="bg1"/>
+                </a:solidFill>
+              </a:rPr>
+              <a:t>Data was gathered from the NASA website</a:t>
+            </a:r>
+          </a:p>
+          <a:p>
+            <a:r>
+              <a:rPr lang="en-US" dirty="0">
+                <a:solidFill>
+                  <a:schemeClr val="bg1"/>
+                </a:solidFill>
+              </a:rPr>
+              <a:t>•Data includes information on 714,193 astronauts. (sample size)</a:t>
+            </a:r>
+          </a:p>
+          <a:p>
+            <a:r>
+              <a:rPr lang="en-US" dirty="0">
+                <a:solidFill>
+                  <a:schemeClr val="bg1"/>
+                </a:solidFill>
+              </a:rPr>
+              <a:t>Wrangle Data</a:t>
+            </a:r>
+          </a:p>
+          <a:p>
+            <a:r>
+              <a:rPr lang="en-US" dirty="0">
+                <a:solidFill>
+                  <a:schemeClr val="bg1"/>
+                </a:solidFill>
+              </a:rPr>
+              <a:t>•We took multiple data sets and combined them in order to run our </a:t>
+            </a:r>
+          </a:p>
+          <a:p>
+            <a:r>
+              <a:rPr lang="en-US" dirty="0">
+                <a:solidFill>
+                  <a:schemeClr val="bg1"/>
+                </a:solidFill>
+              </a:rPr>
+              <a:t>analysis </a:t>
+            </a:r>
+          </a:p>
+          <a:p>
+            <a:r>
+              <a:rPr lang="en-US" dirty="0">
+                <a:solidFill>
+                  <a:schemeClr val="bg1"/>
+                </a:solidFill>
+              </a:rPr>
+              <a:t>•We dropped unnecessary data </a:t>
+            </a:r>
+          </a:p>
+          <a:p>
+            <a:r>
+              <a:rPr lang="en-US" dirty="0">
+                <a:solidFill>
+                  <a:schemeClr val="bg1"/>
+                </a:solidFill>
+              </a:rPr>
+              <a:t>•Dropped missing data</a:t>
+            </a:r>
+          </a:p>
+          <a:p>
+            <a:r>
+              <a:rPr lang="en-US" dirty="0">
+                <a:solidFill>
+                  <a:schemeClr val="bg1"/>
+                </a:solidFill>
+              </a:rPr>
+              <a:t>•Square root space walk and space flight (</a:t>
+            </a:r>
+            <a:r>
+              <a:rPr lang="en-US" dirty="0" err="1">
+                <a:solidFill>
+                  <a:schemeClr val="bg1"/>
+                </a:solidFill>
+              </a:rPr>
+              <a:t>hr</a:t>
+            </a:r>
+            <a:r>
+              <a:rPr lang="en-US" dirty="0">
+                <a:solidFill>
+                  <a:schemeClr val="bg1"/>
+                </a:solidFill>
+              </a:rPr>
+              <a:t>) in order for it to meet </a:t>
+            </a:r>
+          </a:p>
+          <a:p>
+            <a:r>
+              <a:rPr lang="en-US" dirty="0">
+                <a:solidFill>
+                  <a:schemeClr val="bg1"/>
+                </a:solidFill>
+              </a:rPr>
+              <a:t>the normal distribution assumption for an independent t test </a:t>
+            </a:r>
           </a:p>
         </p:txBody>
       </p:sp>
     </p:spTree>
     <p:extLst>
       <p:ext uri="{BB962C8B-B14F-4D97-AF65-F5344CB8AC3E}">
-        <p14:creationId xmlns:p14="http://schemas.microsoft.com/office/powerpoint/2010/main" val="3921498370"/>
+        <p14:creationId xmlns:p14="http://schemas.microsoft.com/office/powerpoint/2010/main" val="245422734"/>
       </p:ext>
     </p:extLst>
   </p:cSld>
@@ -4872,7 +4924,7 @@
           <p:cNvPr id="2" name="Title 1">
             <a:extLst>
               <a:ext uri="{FF2B5EF4-FFF2-40B4-BE49-F238E27FC236}">
-                <a16:creationId xmlns:a16="http://schemas.microsoft.com/office/drawing/2014/main" id="{808BFB99-CA9B-8C87-BE11-D1F9CFBFC953}"/>
+                <a16:creationId xmlns:a16="http://schemas.microsoft.com/office/drawing/2014/main" id="{29D7DE41-44F8-9415-3F99-52E1B3C4A9B4}"/>
               </a:ext>
             </a:extLst>
           </p:cNvPr>
@@ -4895,7 +4947,7 @@
                   <a:schemeClr val="bg1"/>
                 </a:solidFill>
               </a:rPr>
-              <a:t>Assumptions/Predictions</a:t>
+              <a:t>Variables</a:t>
             </a:r>
           </a:p>
         </p:txBody>
@@ -4905,7 +4957,7 @@
           <p:cNvPr id="3" name="Content Placeholder 2">
             <a:extLst>
               <a:ext uri="{FF2B5EF4-FFF2-40B4-BE49-F238E27FC236}">
-                <a16:creationId xmlns:a16="http://schemas.microsoft.com/office/drawing/2014/main" id="{2B896B2A-8FDF-966E-9FF2-52D51EEED60F}"/>
+                <a16:creationId xmlns:a16="http://schemas.microsoft.com/office/drawing/2014/main" id="{EBF9725B-BEB0-D797-3BA1-527F7302915D}"/>
               </a:ext>
             </a:extLst>
           </p:cNvPr>
@@ -4918,21 +4970,122 @@
         </p:nvSpPr>
         <p:spPr/>
         <p:txBody>
-          <a:bodyPr/>
-          <a:lstStyle/>
-          <a:p>
-            <a:pPr marL="342900" indent="-342900">
-              <a:buFont typeface="Wingdings" panose="05000000000000000000" pitchFamily="2" charset="2"/>
-              <a:buChar char="Ø"/>
-            </a:pPr>
-            <a:endParaRPr lang="en-US" dirty="0"/>
+          <a:bodyPr>
+            <a:normAutofit lnSpcReduction="10000"/>
+          </a:bodyPr>
+          <a:lstStyle/>
+          <a:p>
+            <a:r>
+              <a:rPr lang="en-US" dirty="0">
+                <a:solidFill>
+                  <a:schemeClr val="bg1"/>
+                </a:solidFill>
+              </a:rPr>
+              <a:t>Age- mean: 38.158317, std: 7.615960, min: 24.5995, </a:t>
+            </a:r>
+          </a:p>
+          <a:p>
+            <a:r>
+              <a:rPr lang="en-US" dirty="0">
+                <a:solidFill>
+                  <a:schemeClr val="bg1"/>
+                </a:solidFill>
+              </a:rPr>
+              <a:t>max: 73.5633</a:t>
+            </a:r>
+          </a:p>
+          <a:p>
+            <a:r>
+              <a:rPr lang="en-US" dirty="0">
+                <a:solidFill>
+                  <a:schemeClr val="bg1"/>
+                </a:solidFill>
+              </a:rPr>
+              <a:t>•Education- mean- 7.548</a:t>
+            </a:r>
+          </a:p>
+          <a:p>
+            <a:r>
+              <a:rPr lang="en-US" dirty="0">
+                <a:solidFill>
+                  <a:schemeClr val="bg1"/>
+                </a:solidFill>
+              </a:rPr>
+              <a:t>•Space Flights- mean: 2.3599</a:t>
+            </a:r>
+          </a:p>
+          <a:p>
+            <a:r>
+              <a:rPr lang="en-US" dirty="0">
+                <a:solidFill>
+                  <a:schemeClr val="bg1"/>
+                </a:solidFill>
+              </a:rPr>
+              <a:t>•Space Flights (</a:t>
+            </a:r>
+            <a:r>
+              <a:rPr lang="en-US" dirty="0" err="1">
+                <a:solidFill>
+                  <a:schemeClr val="bg1"/>
+                </a:solidFill>
+              </a:rPr>
+              <a:t>hr</a:t>
+            </a:r>
+            <a:r>
+              <a:rPr lang="en-US" dirty="0">
+                <a:solidFill>
+                  <a:schemeClr val="bg1"/>
+                </a:solidFill>
+              </a:rPr>
+              <a:t>)- mean: 1210.822</a:t>
+            </a:r>
+          </a:p>
+          <a:p>
+            <a:r>
+              <a:rPr lang="en-US" dirty="0">
+                <a:solidFill>
+                  <a:schemeClr val="bg1"/>
+                </a:solidFill>
+              </a:rPr>
+              <a:t>•Space Walks- mean: 1.322</a:t>
+            </a:r>
+          </a:p>
+          <a:p>
+            <a:r>
+              <a:rPr lang="en-US" dirty="0">
+                <a:solidFill>
+                  <a:schemeClr val="bg1"/>
+                </a:solidFill>
+              </a:rPr>
+              <a:t>•Males Accepted in NASA Program- mean: 60.037</a:t>
+            </a:r>
+          </a:p>
+          <a:p>
+            <a:r>
+              <a:rPr lang="en-US" dirty="0">
+                <a:solidFill>
+                  <a:schemeClr val="bg1"/>
+                </a:solidFill>
+              </a:rPr>
+              <a:t>•Females Accepted in NASA Program- mean: 12.444</a:t>
+            </a:r>
+          </a:p>
+          <a:p>
+            <a:r>
+              <a:rPr lang="en-US" dirty="0">
+                <a:solidFill>
+                  <a:schemeClr val="bg1"/>
+                </a:solidFill>
+              </a:rPr>
+              <a:t>•Budget</a:t>
+            </a:r>
           </a:p>
         </p:txBody>
       </p:sp>
     </p:spTree>
     <p:extLst>
       <p:ext uri="{BB962C8B-B14F-4D97-AF65-F5344CB8AC3E}">
-        <p14:creationId xmlns:p14="http://schemas.microsoft.com/office/powerpoint/2010/main" val="3347042673"/>
+        <p14:creationId xmlns:p14="http://schemas.microsoft.com/office/powerpoint/2010/main" val="2568471979"/>
       </p:ext>
     </p:extLst>
   </p:cSld>
@@ -4978,7 +5131,7 @@
           <p:cNvPr id="2" name="Title 1">
             <a:extLst>
               <a:ext uri="{FF2B5EF4-FFF2-40B4-BE49-F238E27FC236}">
-                <a16:creationId xmlns:a16="http://schemas.microsoft.com/office/drawing/2014/main" id="{0B17CDBC-BDFD-1714-0FE6-B042F333489B}"/>
+                <a16:creationId xmlns:a16="http://schemas.microsoft.com/office/drawing/2014/main" id="{262603E1-53E6-3FE4-9994-9205C317D175}"/>
               </a:ext>
             </a:extLst>
           </p:cNvPr>
@@ -5001,7 +5154,7 @@
                   <a:schemeClr val="bg1"/>
                 </a:solidFill>
               </a:rPr>
-              <a:t>Exploratory Analysis</a:t>
+              <a:t>Specific Methods Used:</a:t>
             </a:r>
           </a:p>
         </p:txBody>
@@ -5011,24 +5164,18 @@
           <p:cNvPr id="3" name="Content Placeholder 2">
             <a:extLst>
               <a:ext uri="{FF2B5EF4-FFF2-40B4-BE49-F238E27FC236}">
-                <a16:creationId xmlns:a16="http://schemas.microsoft.com/office/drawing/2014/main" id="{C4A339B1-D86B-5FD8-6FC3-E257E4A526E5}"/>
-              </a:ext>
-            </a:extLst>
-          </p:cNvPr>
-          <p:cNvSpPr>
-            <a:spLocks noGrp="1"/>
-          </p:cNvSpPr>
-          <p:nvPr>
-            <p:ph sz="half" idx="1"/>
-          </p:nvPr>
-        </p:nvSpPr>
-        <p:spPr>
-          <a:solidFill>
-            <a:schemeClr val="accent1">
-              <a:alpha val="35000"/>
-            </a:schemeClr>
-          </a:solidFill>
-        </p:spPr>
+                <a16:creationId xmlns:a16="http://schemas.microsoft.com/office/drawing/2014/main" id="{802344F4-49B6-E688-8B76-2788E3BDF97C}"/>
+              </a:ext>
+            </a:extLst>
+          </p:cNvPr>
+          <p:cNvSpPr>
+            <a:spLocks noGrp="1"/>
+          </p:cNvSpPr>
+          <p:nvPr>
+            <p:ph idx="1"/>
+          </p:nvPr>
+        </p:nvSpPr>
+        <p:spPr/>
         <p:txBody>
           <a:bodyPr/>
           <a:lstStyle/>
@@ -5037,39 +5184,77 @@
               <a:buFont typeface="Wingdings" panose="05000000000000000000" pitchFamily="2" charset="2"/>
               <a:buChar char="Ø"/>
             </a:pPr>
-            <a:endParaRPr lang="en-US" dirty="0"/>
-          </a:p>
-        </p:txBody>
-      </p:sp>
-      <p:sp>
-        <p:nvSpPr>
-          <p:cNvPr id="4" name="Content Placeholder 3">
-            <a:extLst>
-              <a:ext uri="{FF2B5EF4-FFF2-40B4-BE49-F238E27FC236}">
-                <a16:creationId xmlns:a16="http://schemas.microsoft.com/office/drawing/2014/main" id="{FDB1D616-5106-63B8-261E-A25B43A793BC}"/>
-              </a:ext>
-            </a:extLst>
-          </p:cNvPr>
-          <p:cNvSpPr>
-            <a:spLocks noGrp="1"/>
-          </p:cNvSpPr>
-          <p:nvPr>
-            <p:ph sz="half" idx="2"/>
-          </p:nvPr>
-        </p:nvSpPr>
-        <p:spPr/>
-        <p:txBody>
-          <a:bodyPr/>
-          <a:lstStyle/>
-          <a:p>
-            <a:endParaRPr lang="en-US"/>
+            <a:r>
+              <a:rPr lang="en-US" dirty="0">
+                <a:solidFill>
+                  <a:schemeClr val="bg1"/>
+                </a:solidFill>
+              </a:rPr>
+              <a:t>Python </a:t>
+            </a:r>
+          </a:p>
+          <a:p>
+            <a:pPr marL="342900" indent="-342900">
+              <a:buFont typeface="Wingdings" panose="05000000000000000000" pitchFamily="2" charset="2"/>
+              <a:buChar char="Ø"/>
+            </a:pPr>
+            <a:r>
+              <a:rPr lang="en-US" dirty="0">
+                <a:solidFill>
+                  <a:schemeClr val="bg1"/>
+                </a:solidFill>
+              </a:rPr>
+              <a:t>Independent t-test</a:t>
+            </a:r>
+          </a:p>
+          <a:p>
+            <a:pPr marL="342900" indent="-342900">
+              <a:buFont typeface="Wingdings" panose="05000000000000000000" pitchFamily="2" charset="2"/>
+              <a:buChar char="Ø"/>
+            </a:pPr>
+            <a:r>
+              <a:rPr lang="en-US" dirty="0">
+                <a:solidFill>
+                  <a:schemeClr val="bg1"/>
+                </a:solidFill>
+              </a:rPr>
+              <a:t>Correlation matrix</a:t>
+            </a:r>
+          </a:p>
+          <a:p>
+            <a:pPr marL="342900" indent="-342900">
+              <a:buFont typeface="Wingdings" panose="05000000000000000000" pitchFamily="2" charset="2"/>
+              <a:buChar char="Ø"/>
+            </a:pPr>
+            <a:r>
+              <a:rPr lang="en-US" dirty="0">
+                <a:solidFill>
+                  <a:schemeClr val="bg1"/>
+                </a:solidFill>
+              </a:rPr>
+              <a:t>Linear Regression</a:t>
+            </a:r>
+          </a:p>
+          <a:p>
+            <a:pPr marL="342900" indent="-342900">
+              <a:buFont typeface="Wingdings" panose="05000000000000000000" pitchFamily="2" charset="2"/>
+              <a:buChar char="Ø"/>
+            </a:pPr>
+            <a:r>
+              <a:rPr lang="en-US" dirty="0">
+                <a:solidFill>
+                  <a:schemeClr val="bg1"/>
+                </a:solidFill>
+              </a:rPr>
+              <a:t>Tableau </a:t>
+            </a:r>
           </a:p>
         </p:txBody>
       </p:sp>
     </p:spTree>
     <p:extLst>
       <p:ext uri="{BB962C8B-B14F-4D97-AF65-F5344CB8AC3E}">
-        <p14:creationId xmlns:p14="http://schemas.microsoft.com/office/powerpoint/2010/main" val="2387057019"/>
+        <p14:creationId xmlns:p14="http://schemas.microsoft.com/office/powerpoint/2010/main" val="2583919064"/>
       </p:ext>
     </p:extLst>
   </p:cSld>
@@ -5115,7 +5300,7 @@
           <p:cNvPr id="2" name="Title 1">
             <a:extLst>
               <a:ext uri="{FF2B5EF4-FFF2-40B4-BE49-F238E27FC236}">
-                <a16:creationId xmlns:a16="http://schemas.microsoft.com/office/drawing/2014/main" id="{FB283C08-D485-E4E8-71AB-D2C8D352BB86}"/>
+                <a16:creationId xmlns:a16="http://schemas.microsoft.com/office/drawing/2014/main" id="{EEA8C35D-3778-04AA-F314-8F3CF5DA3C78}"/>
               </a:ext>
             </a:extLst>
           </p:cNvPr>
@@ -5126,77 +5311,84 @@
             <p:ph type="title"/>
           </p:nvPr>
         </p:nvSpPr>
+        <p:spPr>
+          <a:xfrm>
+            <a:off x="1028700" y="159123"/>
+            <a:ext cx="10134600" cy="1288489"/>
+          </a:xfrm>
+        </p:spPr>
+        <p:txBody>
+          <a:bodyPr/>
+          <a:lstStyle/>
+          <a:p>
+            <a:pPr algn="ctr"/>
+            <a:r>
+              <a:rPr lang="en-US" dirty="0">
+                <a:solidFill>
+                  <a:schemeClr val="bg1"/>
+                </a:solidFill>
+              </a:rPr>
+              <a:t>Evaluation Questions</a:t>
+            </a:r>
+          </a:p>
+        </p:txBody>
+      </p:sp>
+      <p:sp>
+        <p:nvSpPr>
+          <p:cNvPr id="3" name="Content Placeholder 2">
+            <a:extLst>
+              <a:ext uri="{FF2B5EF4-FFF2-40B4-BE49-F238E27FC236}">
+                <a16:creationId xmlns:a16="http://schemas.microsoft.com/office/drawing/2014/main" id="{4ABC30B8-BFC2-8751-9403-841771EA8FB3}"/>
+              </a:ext>
+            </a:extLst>
+          </p:cNvPr>
+          <p:cNvSpPr>
+            <a:spLocks noGrp="1"/>
+          </p:cNvSpPr>
+          <p:nvPr>
+            <p:ph idx="1"/>
+          </p:nvPr>
+        </p:nvSpPr>
         <p:spPr/>
         <p:txBody>
           <a:bodyPr/>
           <a:lstStyle/>
           <a:p>
-            <a:pPr algn="ctr"/>
-            <a:r>
-              <a:rPr lang="en-US" dirty="0">
-                <a:solidFill>
-                  <a:schemeClr val="bg1"/>
-                </a:solidFill>
-              </a:rPr>
-              <a:t>Variables</a:t>
-            </a:r>
-          </a:p>
-        </p:txBody>
-      </p:sp>
-      <p:sp>
-        <p:nvSpPr>
-          <p:cNvPr id="3" name="Content Placeholder 2">
-            <a:extLst>
-              <a:ext uri="{FF2B5EF4-FFF2-40B4-BE49-F238E27FC236}">
-                <a16:creationId xmlns:a16="http://schemas.microsoft.com/office/drawing/2014/main" id="{78F02601-AC00-DD5A-D78C-6B1480399CA5}"/>
-              </a:ext>
-            </a:extLst>
-          </p:cNvPr>
-          <p:cNvSpPr>
-            <a:spLocks noGrp="1"/>
-          </p:cNvSpPr>
-          <p:nvPr>
-            <p:ph sz="half" idx="1"/>
-          </p:nvPr>
-        </p:nvSpPr>
-        <p:spPr/>
-        <p:txBody>
-          <a:bodyPr/>
-          <a:lstStyle/>
+            <a:r>
+              <a:rPr lang="en-US" dirty="0">
+                <a:solidFill>
+                  <a:schemeClr val="bg1"/>
+                </a:solidFill>
+              </a:rPr>
+              <a:t>What is the difference between the hiring rate of males and females that are admitted into the NASA program in the last 10 years?</a:t>
+            </a:r>
+          </a:p>
+          <a:p>
+            <a:endParaRPr lang="en-US" dirty="0">
+              <a:solidFill>
+                <a:schemeClr val="bg1"/>
+              </a:solidFill>
+            </a:endParaRPr>
+          </a:p>
+          <a:p>
+            <a:r>
+              <a:rPr lang="en-US" dirty="0">
+                <a:solidFill>
+                  <a:schemeClr val="bg1"/>
+                </a:solidFill>
+              </a:rPr>
+              <a:t>What is the ratio of males to females that are sent on space missions?</a:t>
+            </a:r>
+          </a:p>
           <a:p>
             <a:endParaRPr lang="en-US" dirty="0"/>
-          </a:p>
-        </p:txBody>
-      </p:sp>
-      <p:sp>
-        <p:nvSpPr>
-          <p:cNvPr id="4" name="Content Placeholder 3">
-            <a:extLst>
-              <a:ext uri="{FF2B5EF4-FFF2-40B4-BE49-F238E27FC236}">
-                <a16:creationId xmlns:a16="http://schemas.microsoft.com/office/drawing/2014/main" id="{6528D1EE-8D8F-414E-9B56-9CE92E908AF4}"/>
-              </a:ext>
-            </a:extLst>
-          </p:cNvPr>
-          <p:cNvSpPr>
-            <a:spLocks noGrp="1"/>
-          </p:cNvSpPr>
-          <p:nvPr>
-            <p:ph sz="half" idx="2"/>
-          </p:nvPr>
-        </p:nvSpPr>
-        <p:spPr/>
-        <p:txBody>
-          <a:bodyPr/>
-          <a:lstStyle/>
-          <a:p>
-            <a:endParaRPr lang="en-US"/>
           </a:p>
         </p:txBody>
       </p:sp>
     </p:spTree>
     <p:extLst>
       <p:ext uri="{BB962C8B-B14F-4D97-AF65-F5344CB8AC3E}">
-        <p14:creationId xmlns:p14="http://schemas.microsoft.com/office/powerpoint/2010/main" val="3984284896"/>
+        <p14:creationId xmlns:p14="http://schemas.microsoft.com/office/powerpoint/2010/main" val="3554648647"/>
       </p:ext>
     </p:extLst>
   </p:cSld>
@@ -5242,7 +5434,7 @@
           <p:cNvPr id="2" name="Title 1">
             <a:extLst>
               <a:ext uri="{FF2B5EF4-FFF2-40B4-BE49-F238E27FC236}">
-                <a16:creationId xmlns:a16="http://schemas.microsoft.com/office/drawing/2014/main" id="{12B8A53A-A3FB-80E9-11EB-2986020F1C44}"/>
+                <a16:creationId xmlns:a16="http://schemas.microsoft.com/office/drawing/2014/main" id="{808BFB99-CA9B-8C87-BE11-D1F9CFBFC953}"/>
               </a:ext>
             </a:extLst>
           </p:cNvPr>
@@ -5265,7 +5457,7 @@
                   <a:schemeClr val="bg1"/>
                 </a:solidFill>
               </a:rPr>
-              <a:t>Correlations</a:t>
+              <a:t>Assumptions/Predictions</a:t>
             </a:r>
           </a:p>
         </p:txBody>
@@ -5275,7 +5467,7 @@
           <p:cNvPr id="3" name="Content Placeholder 2">
             <a:extLst>
               <a:ext uri="{FF2B5EF4-FFF2-40B4-BE49-F238E27FC236}">
-                <a16:creationId xmlns:a16="http://schemas.microsoft.com/office/drawing/2014/main" id="{BAD1211E-0C05-4BB3-7B9A-68C464A14FB5}"/>
+                <a16:creationId xmlns:a16="http://schemas.microsoft.com/office/drawing/2014/main" id="{2B896B2A-8FDF-966E-9FF2-52D51EEED60F}"/>
               </a:ext>
             </a:extLst>
           </p:cNvPr>
@@ -5291,14 +5483,18 @@
           <a:bodyPr/>
           <a:lstStyle/>
           <a:p>
-            <a:endParaRPr lang="en-US"/>
+            <a:pPr marL="342900" indent="-342900">
+              <a:buFont typeface="Wingdings" panose="05000000000000000000" pitchFamily="2" charset="2"/>
+              <a:buChar char="Ø"/>
+            </a:pPr>
+            <a:endParaRPr lang="en-US" dirty="0"/>
           </a:p>
         </p:txBody>
       </p:sp>
     </p:spTree>
     <p:extLst>
       <p:ext uri="{BB962C8B-B14F-4D97-AF65-F5344CB8AC3E}">
-        <p14:creationId xmlns:p14="http://schemas.microsoft.com/office/powerpoint/2010/main" val="2218982866"/>
+        <p14:creationId xmlns:p14="http://schemas.microsoft.com/office/powerpoint/2010/main" val="3347042673"/>
       </p:ext>
     </p:extLst>
   </p:cSld>
@@ -5344,7 +5540,7 @@
           <p:cNvPr id="2" name="Title 1">
             <a:extLst>
               <a:ext uri="{FF2B5EF4-FFF2-40B4-BE49-F238E27FC236}">
-                <a16:creationId xmlns:a16="http://schemas.microsoft.com/office/drawing/2014/main" id="{D13EC06F-E978-F4CF-C89D-38826F441642}"/>
+                <a16:creationId xmlns:a16="http://schemas.microsoft.com/office/drawing/2014/main" id="{0B17CDBC-BDFD-1714-0FE6-B042F333489B}"/>
               </a:ext>
             </a:extLst>
           </p:cNvPr>
@@ -5357,85 +5553,85 @@
         </p:nvSpPr>
         <p:spPr/>
         <p:txBody>
-          <a:bodyPr>
-            <a:normAutofit/>
-          </a:bodyPr>
-          <a:lstStyle/>
-          <a:p>
-            <a:endParaRPr lang="en-US" dirty="0">
-              <a:solidFill>
-                <a:schemeClr val="bg1"/>
-              </a:solidFill>
-            </a:endParaRPr>
-          </a:p>
-        </p:txBody>
-      </p:sp>
-      <p:pic>
-        <p:nvPicPr>
+          <a:bodyPr/>
+          <a:lstStyle/>
+          <a:p>
+            <a:pPr algn="ctr"/>
+            <a:r>
+              <a:rPr lang="en-US" dirty="0">
+                <a:solidFill>
+                  <a:schemeClr val="bg1"/>
+                </a:solidFill>
+              </a:rPr>
+              <a:t>Exploratory Analysis</a:t>
+            </a:r>
+          </a:p>
+        </p:txBody>
+      </p:sp>
+      <p:sp>
+        <p:nvSpPr>
+          <p:cNvPr id="3" name="Content Placeholder 2">
+            <a:extLst>
+              <a:ext uri="{FF2B5EF4-FFF2-40B4-BE49-F238E27FC236}">
+                <a16:creationId xmlns:a16="http://schemas.microsoft.com/office/drawing/2014/main" id="{C4A339B1-D86B-5FD8-6FC3-E257E4A526E5}"/>
+              </a:ext>
+            </a:extLst>
+          </p:cNvPr>
+          <p:cNvSpPr>
+            <a:spLocks noGrp="1"/>
+          </p:cNvSpPr>
+          <p:nvPr>
+            <p:ph sz="half" idx="1"/>
+          </p:nvPr>
+        </p:nvSpPr>
+        <p:spPr>
+          <a:solidFill>
+            <a:schemeClr val="accent1">
+              <a:alpha val="35000"/>
+            </a:schemeClr>
+          </a:solidFill>
+        </p:spPr>
+        <p:txBody>
+          <a:bodyPr/>
+          <a:lstStyle/>
+          <a:p>
+            <a:pPr marL="342900" indent="-342900">
+              <a:buFont typeface="Wingdings" panose="05000000000000000000" pitchFamily="2" charset="2"/>
+              <a:buChar char="Ø"/>
+            </a:pPr>
+            <a:endParaRPr lang="en-US" dirty="0"/>
+          </a:p>
+        </p:txBody>
+      </p:sp>
+      <p:sp>
+        <p:nvSpPr>
           <p:cNvPr id="4" name="Content Placeholder 3">
             <a:extLst>
               <a:ext uri="{FF2B5EF4-FFF2-40B4-BE49-F238E27FC236}">
-                <a16:creationId xmlns:a16="http://schemas.microsoft.com/office/drawing/2014/main" id="{C6985800-8533-D986-6766-4675903B5845}"/>
-              </a:ext>
-            </a:extLst>
-          </p:cNvPr>
-          <p:cNvPicPr>
-            <a:picLocks noGrp="1" noChangeAspect="1"/>
-          </p:cNvPicPr>
-          <p:nvPr>
-            <p:ph idx="1"/>
-          </p:nvPr>
-        </p:nvPicPr>
-        <p:blipFill>
-          <a:blip r:embed="rId3"/>
-          <a:stretch>
-            <a:fillRect/>
-          </a:stretch>
-        </p:blipFill>
-        <p:spPr>
-          <a:xfrm>
-            <a:off x="1974014" y="151788"/>
-            <a:ext cx="8243971" cy="3382142"/>
-          </a:xfrm>
-          <a:prstGeom prst="rect">
-            <a:avLst/>
-          </a:prstGeom>
-        </p:spPr>
-      </p:pic>
-      <p:pic>
-        <p:nvPicPr>
-          <p:cNvPr id="5" name="Picture 4">
-            <a:extLst>
-              <a:ext uri="{FF2B5EF4-FFF2-40B4-BE49-F238E27FC236}">
-                <a16:creationId xmlns:a16="http://schemas.microsoft.com/office/drawing/2014/main" id="{4636061E-5A5A-D285-BFA4-1627CD42FA8D}"/>
-              </a:ext>
-            </a:extLst>
-          </p:cNvPr>
-          <p:cNvPicPr>
-            <a:picLocks noChangeAspect="1"/>
-          </p:cNvPicPr>
-          <p:nvPr/>
-        </p:nvPicPr>
-        <p:blipFill>
-          <a:blip r:embed="rId4"/>
-          <a:stretch>
-            <a:fillRect/>
-          </a:stretch>
-        </p:blipFill>
-        <p:spPr>
-          <a:xfrm>
-            <a:off x="1974014" y="3533930"/>
-            <a:ext cx="8243971" cy="3174540"/>
-          </a:xfrm>
-          <a:prstGeom prst="rect">
-            <a:avLst/>
-          </a:prstGeom>
-        </p:spPr>
-      </p:pic>
+                <a16:creationId xmlns:a16="http://schemas.microsoft.com/office/drawing/2014/main" id="{FDB1D616-5106-63B8-261E-A25B43A793BC}"/>
+              </a:ext>
+            </a:extLst>
+          </p:cNvPr>
+          <p:cNvSpPr>
+            <a:spLocks noGrp="1"/>
+          </p:cNvSpPr>
+          <p:nvPr>
+            <p:ph sz="half" idx="2"/>
+          </p:nvPr>
+        </p:nvSpPr>
+        <p:spPr/>
+        <p:txBody>
+          <a:bodyPr/>
+          <a:lstStyle/>
+          <a:p>
+            <a:endParaRPr lang="en-US"/>
+          </a:p>
+        </p:txBody>
+      </p:sp>
     </p:spTree>
     <p:extLst>
       <p:ext uri="{BB962C8B-B14F-4D97-AF65-F5344CB8AC3E}">
-        <p14:creationId xmlns:p14="http://schemas.microsoft.com/office/powerpoint/2010/main" val="563400496"/>
+        <p14:creationId xmlns:p14="http://schemas.microsoft.com/office/powerpoint/2010/main" val="2387057019"/>
       </p:ext>
     </p:extLst>
   </p:cSld>
@@ -5481,7 +5677,7 @@
           <p:cNvPr id="2" name="Title 1">
             <a:extLst>
               <a:ext uri="{FF2B5EF4-FFF2-40B4-BE49-F238E27FC236}">
-                <a16:creationId xmlns:a16="http://schemas.microsoft.com/office/drawing/2014/main" id="{B2C48065-551F-EEFD-9ED5-40FB4D14BED8}"/>
+                <a16:creationId xmlns:a16="http://schemas.microsoft.com/office/drawing/2014/main" id="{FB283C08-D485-E4E8-71AB-D2C8D352BB86}"/>
               </a:ext>
             </a:extLst>
           </p:cNvPr>
@@ -5497,45 +5693,72 @@
           <a:bodyPr/>
           <a:lstStyle/>
           <a:p>
+            <a:pPr algn="ctr"/>
+            <a:r>
+              <a:rPr lang="en-US" dirty="0">
+                <a:solidFill>
+                  <a:schemeClr val="bg1"/>
+                </a:solidFill>
+              </a:rPr>
+              <a:t>Variables</a:t>
+            </a:r>
+          </a:p>
+        </p:txBody>
+      </p:sp>
+      <p:sp>
+        <p:nvSpPr>
+          <p:cNvPr id="3" name="Content Placeholder 2">
+            <a:extLst>
+              <a:ext uri="{FF2B5EF4-FFF2-40B4-BE49-F238E27FC236}">
+                <a16:creationId xmlns:a16="http://schemas.microsoft.com/office/drawing/2014/main" id="{78F02601-AC00-DD5A-D78C-6B1480399CA5}"/>
+              </a:ext>
+            </a:extLst>
+          </p:cNvPr>
+          <p:cNvSpPr>
+            <a:spLocks noGrp="1"/>
+          </p:cNvSpPr>
+          <p:nvPr>
+            <p:ph sz="half" idx="1"/>
+          </p:nvPr>
+        </p:nvSpPr>
+        <p:spPr/>
+        <p:txBody>
+          <a:bodyPr/>
+          <a:lstStyle/>
+          <a:p>
+            <a:endParaRPr lang="en-US" dirty="0"/>
+          </a:p>
+        </p:txBody>
+      </p:sp>
+      <p:sp>
+        <p:nvSpPr>
+          <p:cNvPr id="4" name="Content Placeholder 3">
+            <a:extLst>
+              <a:ext uri="{FF2B5EF4-FFF2-40B4-BE49-F238E27FC236}">
+                <a16:creationId xmlns:a16="http://schemas.microsoft.com/office/drawing/2014/main" id="{6528D1EE-8D8F-414E-9B56-9CE92E908AF4}"/>
+              </a:ext>
+            </a:extLst>
+          </p:cNvPr>
+          <p:cNvSpPr>
+            <a:spLocks noGrp="1"/>
+          </p:cNvSpPr>
+          <p:nvPr>
+            <p:ph sz="half" idx="2"/>
+          </p:nvPr>
+        </p:nvSpPr>
+        <p:spPr/>
+        <p:txBody>
+          <a:bodyPr/>
+          <a:lstStyle/>
+          <a:p>
             <a:endParaRPr lang="en-US"/>
           </a:p>
         </p:txBody>
       </p:sp>
-      <p:pic>
-        <p:nvPicPr>
-          <p:cNvPr id="4" name="Content Placeholder 3">
-            <a:extLst>
-              <a:ext uri="{FF2B5EF4-FFF2-40B4-BE49-F238E27FC236}">
-                <a16:creationId xmlns:a16="http://schemas.microsoft.com/office/drawing/2014/main" id="{88DDF459-671C-9124-43D9-B1ED4169D9AA}"/>
-              </a:ext>
-            </a:extLst>
-          </p:cNvPr>
-          <p:cNvPicPr>
-            <a:picLocks noGrp="1" noChangeAspect="1"/>
-          </p:cNvPicPr>
-          <p:nvPr>
-            <p:ph idx="1"/>
-          </p:nvPr>
-        </p:nvPicPr>
-        <p:blipFill rotWithShape="1">
-          <a:blip r:embed="rId3"/>
-          <a:srcRect r="732"/>
-          <a:stretch/>
-        </p:blipFill>
-        <p:spPr>
-          <a:xfrm>
-            <a:off x="538737" y="1067640"/>
-            <a:ext cx="11258963" cy="4722719"/>
-          </a:xfrm>
-          <a:prstGeom prst="rect">
-            <a:avLst/>
-          </a:prstGeom>
-        </p:spPr>
-      </p:pic>
     </p:spTree>
     <p:extLst>
       <p:ext uri="{BB962C8B-B14F-4D97-AF65-F5344CB8AC3E}">
-        <p14:creationId xmlns:p14="http://schemas.microsoft.com/office/powerpoint/2010/main" val="898779600"/>
+        <p14:creationId xmlns:p14="http://schemas.microsoft.com/office/powerpoint/2010/main" val="3984284896"/>
       </p:ext>
     </p:extLst>
   </p:cSld>
@@ -5581,7 +5804,7 @@
           <p:cNvPr id="2" name="Title 1">
             <a:extLst>
               <a:ext uri="{FF2B5EF4-FFF2-40B4-BE49-F238E27FC236}">
-                <a16:creationId xmlns:a16="http://schemas.microsoft.com/office/drawing/2014/main" id="{C3A9CF40-2389-AF66-C3DF-670449179B0D}"/>
+                <a16:creationId xmlns:a16="http://schemas.microsoft.com/office/drawing/2014/main" id="{12B8A53A-A3FB-80E9-11EB-2986020F1C44}"/>
               </a:ext>
             </a:extLst>
           </p:cNvPr>
@@ -5604,7 +5827,7 @@
                   <a:schemeClr val="bg1"/>
                 </a:solidFill>
               </a:rPr>
-              <a:t>Summary/Regroup</a:t>
+              <a:t>Correlations</a:t>
             </a:r>
           </a:p>
         </p:txBody>
@@ -5614,7 +5837,7 @@
           <p:cNvPr id="3" name="Content Placeholder 2">
             <a:extLst>
               <a:ext uri="{FF2B5EF4-FFF2-40B4-BE49-F238E27FC236}">
-                <a16:creationId xmlns:a16="http://schemas.microsoft.com/office/drawing/2014/main" id="{E0B9DA3E-595F-D9F7-F487-C328DB636FF1}"/>
+                <a16:creationId xmlns:a16="http://schemas.microsoft.com/office/drawing/2014/main" id="{BAD1211E-0C05-4BB3-7B9A-68C464A14FB5}"/>
               </a:ext>
             </a:extLst>
           </p:cNvPr>
@@ -5637,7 +5860,7 @@
     </p:spTree>
     <p:extLst>
       <p:ext uri="{BB962C8B-B14F-4D97-AF65-F5344CB8AC3E}">
-        <p14:creationId xmlns:p14="http://schemas.microsoft.com/office/powerpoint/2010/main" val="4102225995"/>
+        <p14:creationId xmlns:p14="http://schemas.microsoft.com/office/powerpoint/2010/main" val="2218982866"/>
       </p:ext>
     </p:extLst>
   </p:cSld>
@@ -5683,7 +5906,7 @@
           <p:cNvPr id="2" name="Title 1">
             <a:extLst>
               <a:ext uri="{FF2B5EF4-FFF2-40B4-BE49-F238E27FC236}">
-                <a16:creationId xmlns:a16="http://schemas.microsoft.com/office/drawing/2014/main" id="{15E0393C-0CCA-F939-EFD7-9BBB430A9037}"/>
+                <a16:creationId xmlns:a16="http://schemas.microsoft.com/office/drawing/2014/main" id="{D13EC06F-E978-F4CF-C89D-38826F441642}"/>
               </a:ext>
             </a:extLst>
           </p:cNvPr>
@@ -5696,75 +5919,85 @@
         </p:nvSpPr>
         <p:spPr/>
         <p:txBody>
-          <a:bodyPr/>
-          <a:lstStyle/>
-          <a:p>
-            <a:pPr algn="ctr"/>
-            <a:r>
-              <a:rPr lang="en-US" dirty="0">
-                <a:solidFill>
-                  <a:schemeClr val="bg1"/>
-                </a:solidFill>
-              </a:rPr>
-              <a:t>(Next analysis questions based on what we found)</a:t>
-            </a:r>
-          </a:p>
-        </p:txBody>
-      </p:sp>
-      <p:sp>
-        <p:nvSpPr>
-          <p:cNvPr id="3" name="Content Placeholder 2">
-            <a:extLst>
-              <a:ext uri="{FF2B5EF4-FFF2-40B4-BE49-F238E27FC236}">
-                <a16:creationId xmlns:a16="http://schemas.microsoft.com/office/drawing/2014/main" id="{BFF6F281-679F-08BB-AAE1-CD46D5433905}"/>
-              </a:ext>
-            </a:extLst>
-          </p:cNvPr>
-          <p:cNvSpPr>
-            <a:spLocks noGrp="1"/>
-          </p:cNvSpPr>
-          <p:nvPr>
-            <p:ph sz="half" idx="1"/>
-          </p:nvPr>
-        </p:nvSpPr>
-        <p:spPr/>
-        <p:txBody>
-          <a:bodyPr/>
-          <a:lstStyle/>
-          <a:p>
-            <a:endParaRPr lang="en-US" dirty="0"/>
-          </a:p>
-        </p:txBody>
-      </p:sp>
-      <p:sp>
-        <p:nvSpPr>
+          <a:bodyPr>
+            <a:normAutofit/>
+          </a:bodyPr>
+          <a:lstStyle/>
+          <a:p>
+            <a:endParaRPr lang="en-US" dirty="0">
+              <a:solidFill>
+                <a:schemeClr val="bg1"/>
+              </a:solidFill>
+            </a:endParaRPr>
+          </a:p>
+        </p:txBody>
+      </p:sp>
+      <p:pic>
+        <p:nvPicPr>
           <p:cNvPr id="4" name="Content Placeholder 3">
             <a:extLst>
               <a:ext uri="{FF2B5EF4-FFF2-40B4-BE49-F238E27FC236}">
-                <a16:creationId xmlns:a16="http://schemas.microsoft.com/office/drawing/2014/main" id="{EFC3810A-80DF-1C00-0E51-121A178AE62F}"/>
-              </a:ext>
-            </a:extLst>
-          </p:cNvPr>
-          <p:cNvSpPr>
-            <a:spLocks noGrp="1"/>
-          </p:cNvSpPr>
-          <p:nvPr>
-            <p:ph sz="half" idx="2"/>
-          </p:nvPr>
-        </p:nvSpPr>
-        <p:spPr/>
-        <p:txBody>
-          <a:bodyPr/>
-          <a:lstStyle/>
-          <a:p>
-            <a:endParaRPr lang="en-US"/>
-          </a:p>
-        </p:txBody>
-      </p:sp>
+                <a16:creationId xmlns:a16="http://schemas.microsoft.com/office/drawing/2014/main" id="{C6985800-8533-D986-6766-4675903B5845}"/>
+              </a:ext>
+            </a:extLst>
+          </p:cNvPr>
+          <p:cNvPicPr>
+            <a:picLocks noGrp="1" noChangeAspect="1"/>
+          </p:cNvPicPr>
+          <p:nvPr>
+            <p:ph idx="1"/>
+          </p:nvPr>
+        </p:nvPicPr>
+        <p:blipFill>
+          <a:blip r:embed="rId3"/>
+          <a:stretch>
+            <a:fillRect/>
+          </a:stretch>
+        </p:blipFill>
+        <p:spPr>
+          <a:xfrm>
+            <a:off x="1974014" y="151788"/>
+            <a:ext cx="8243971" cy="3382142"/>
+          </a:xfrm>
+          <a:prstGeom prst="rect">
+            <a:avLst/>
+          </a:prstGeom>
+        </p:spPr>
+      </p:pic>
+      <p:pic>
+        <p:nvPicPr>
+          <p:cNvPr id="5" name="Picture 4">
+            <a:extLst>
+              <a:ext uri="{FF2B5EF4-FFF2-40B4-BE49-F238E27FC236}">
+                <a16:creationId xmlns:a16="http://schemas.microsoft.com/office/drawing/2014/main" id="{4636061E-5A5A-D285-BFA4-1627CD42FA8D}"/>
+              </a:ext>
+            </a:extLst>
+          </p:cNvPr>
+          <p:cNvPicPr>
+            <a:picLocks noChangeAspect="1"/>
+          </p:cNvPicPr>
+          <p:nvPr/>
+        </p:nvPicPr>
+        <p:blipFill>
+          <a:blip r:embed="rId4"/>
+          <a:stretch>
+            <a:fillRect/>
+          </a:stretch>
+        </p:blipFill>
+        <p:spPr>
+          <a:xfrm>
+            <a:off x="1974014" y="3533930"/>
+            <a:ext cx="8243971" cy="3174540"/>
+          </a:xfrm>
+          <a:prstGeom prst="rect">
+            <a:avLst/>
+          </a:prstGeom>
+        </p:spPr>
+      </p:pic>
     </p:spTree>
     <p:extLst>
       <p:ext uri="{BB962C8B-B14F-4D97-AF65-F5344CB8AC3E}">
-        <p14:creationId xmlns:p14="http://schemas.microsoft.com/office/powerpoint/2010/main" val="330061143"/>
+        <p14:creationId xmlns:p14="http://schemas.microsoft.com/office/powerpoint/2010/main" val="563400496"/>
       </p:ext>
     </p:extLst>
   </p:cSld>
@@ -5810,7 +6043,7 @@
           <p:cNvPr id="2" name="Title 1">
             <a:extLst>
               <a:ext uri="{FF2B5EF4-FFF2-40B4-BE49-F238E27FC236}">
-                <a16:creationId xmlns:a16="http://schemas.microsoft.com/office/drawing/2014/main" id="{F47FA9F6-DC5F-BBB3-EACC-832323D4F2B6}"/>
+                <a16:creationId xmlns:a16="http://schemas.microsoft.com/office/drawing/2014/main" id="{B2C48065-551F-EEFD-9ED5-40FB4D14BED8}"/>
               </a:ext>
             </a:extLst>
           </p:cNvPr>
@@ -5826,47 +6059,45 @@
           <a:bodyPr/>
           <a:lstStyle/>
           <a:p>
-            <a:pPr algn="ctr"/>
-            <a:r>
-              <a:rPr lang="en-US" dirty="0">
-                <a:solidFill>
-                  <a:schemeClr val="bg1"/>
-                </a:solidFill>
-              </a:rPr>
-              <a:t>Conclusion</a:t>
-            </a:r>
-          </a:p>
-        </p:txBody>
-      </p:sp>
-      <p:sp>
-        <p:nvSpPr>
-          <p:cNvPr id="3" name="Content Placeholder 2">
-            <a:extLst>
-              <a:ext uri="{FF2B5EF4-FFF2-40B4-BE49-F238E27FC236}">
-                <a16:creationId xmlns:a16="http://schemas.microsoft.com/office/drawing/2014/main" id="{B60B4124-3471-DD01-C699-CBECB0EBBAB0}"/>
-              </a:ext>
-            </a:extLst>
-          </p:cNvPr>
-          <p:cNvSpPr>
-            <a:spLocks noGrp="1"/>
-          </p:cNvSpPr>
+            <a:endParaRPr lang="en-US"/>
+          </a:p>
+        </p:txBody>
+      </p:sp>
+      <p:pic>
+        <p:nvPicPr>
+          <p:cNvPr id="4" name="Content Placeholder 3">
+            <a:extLst>
+              <a:ext uri="{FF2B5EF4-FFF2-40B4-BE49-F238E27FC236}">
+                <a16:creationId xmlns:a16="http://schemas.microsoft.com/office/drawing/2014/main" id="{88DDF459-671C-9124-43D9-B1ED4169D9AA}"/>
+              </a:ext>
+            </a:extLst>
+          </p:cNvPr>
+          <p:cNvPicPr>
+            <a:picLocks noGrp="1" noChangeAspect="1"/>
+          </p:cNvPicPr>
           <p:nvPr>
             <p:ph idx="1"/>
           </p:nvPr>
-        </p:nvSpPr>
-        <p:spPr/>
-        <p:txBody>
-          <a:bodyPr/>
-          <a:lstStyle/>
-          <a:p>
-            <a:endParaRPr lang="en-US"/>
-          </a:p>
-        </p:txBody>
-      </p:sp>
+        </p:nvPicPr>
+        <p:blipFill rotWithShape="1">
+          <a:blip r:embed="rId3"/>
+          <a:srcRect r="732"/>
+          <a:stretch/>
+        </p:blipFill>
+        <p:spPr>
+          <a:xfrm>
+            <a:off x="538737" y="1067640"/>
+            <a:ext cx="11258963" cy="4722719"/>
+          </a:xfrm>
+          <a:prstGeom prst="rect">
+            <a:avLst/>
+          </a:prstGeom>
+        </p:spPr>
+      </p:pic>
     </p:spTree>
     <p:extLst>
       <p:ext uri="{BB962C8B-B14F-4D97-AF65-F5344CB8AC3E}">
-        <p14:creationId xmlns:p14="http://schemas.microsoft.com/office/powerpoint/2010/main" val="2994860772"/>
+        <p14:creationId xmlns:p14="http://schemas.microsoft.com/office/powerpoint/2010/main" val="898779600"/>
       </p:ext>
     </p:extLst>
   </p:cSld>
@@ -6025,6 +6256,1081 @@
 </file>
 
 <file path=ppt/slides/slide20.xml><?xml version="1.0" encoding="utf-8"?>
+<p:sld xmlns:a="http://schemas.openxmlformats.org/drawingml/2006/main" xmlns:r="http://schemas.openxmlformats.org/officeDocument/2006/relationships" xmlns:p="http://schemas.openxmlformats.org/presentationml/2006/main">
+  <p:cSld>
+    <p:bg>
+      <p:bgPr>
+        <a:blipFill dpi="0" rotWithShape="1">
+          <a:blip r:embed="rId2">
+            <a:lum/>
+          </a:blip>
+          <a:srcRect/>
+          <a:stretch>
+            <a:fillRect t="-17000" b="-17000"/>
+          </a:stretch>
+        </a:blipFill>
+        <a:effectLst/>
+      </p:bgPr>
+    </p:bg>
+    <p:spTree>
+      <p:nvGrpSpPr>
+        <p:cNvPr id="1" name=""/>
+        <p:cNvGrpSpPr/>
+        <p:nvPr/>
+      </p:nvGrpSpPr>
+      <p:grpSpPr>
+        <a:xfrm>
+          <a:off x="0" y="0"/>
+          <a:ext cx="0" cy="0"/>
+          <a:chOff x="0" y="0"/>
+          <a:chExt cx="0" cy="0"/>
+        </a:xfrm>
+      </p:grpSpPr>
+      <p:sp>
+        <p:nvSpPr>
+          <p:cNvPr id="2" name="Title 1">
+            <a:extLst>
+              <a:ext uri="{FF2B5EF4-FFF2-40B4-BE49-F238E27FC236}">
+                <a16:creationId xmlns:a16="http://schemas.microsoft.com/office/drawing/2014/main" id="{C7D02D7B-61ED-97E5-904A-59048DC62E7B}"/>
+              </a:ext>
+            </a:extLst>
+          </p:cNvPr>
+          <p:cNvSpPr>
+            <a:spLocks noGrp="1"/>
+          </p:cNvSpPr>
+          <p:nvPr>
+            <p:ph type="title"/>
+          </p:nvPr>
+        </p:nvSpPr>
+        <p:spPr>
+          <a:xfrm>
+            <a:off x="989581" y="82510"/>
+            <a:ext cx="10134600" cy="1288489"/>
+          </a:xfrm>
+        </p:spPr>
+        <p:txBody>
+          <a:bodyPr/>
+          <a:lstStyle/>
+          <a:p>
+            <a:r>
+              <a:rPr lang="en-US" dirty="0">
+                <a:solidFill>
+                  <a:schemeClr val="bg1"/>
+                </a:solidFill>
+              </a:rPr>
+              <a:t>Results: Hiring Rates between Males and Females in NASA</a:t>
+            </a:r>
+          </a:p>
+        </p:txBody>
+      </p:sp>
+      <p:sp>
+        <p:nvSpPr>
+          <p:cNvPr id="3" name="Content Placeholder 2">
+            <a:extLst>
+              <a:ext uri="{FF2B5EF4-FFF2-40B4-BE49-F238E27FC236}">
+                <a16:creationId xmlns:a16="http://schemas.microsoft.com/office/drawing/2014/main" id="{EBEC6E50-BB81-8B19-603E-9B41D8CD6CBE}"/>
+              </a:ext>
+            </a:extLst>
+          </p:cNvPr>
+          <p:cNvSpPr>
+            <a:spLocks noGrp="1"/>
+          </p:cNvSpPr>
+          <p:nvPr>
+            <p:ph idx="1"/>
+          </p:nvPr>
+        </p:nvSpPr>
+        <p:spPr>
+          <a:xfrm>
+            <a:off x="8263828" y="1736487"/>
+            <a:ext cx="3329777" cy="3969342"/>
+          </a:xfrm>
+        </p:spPr>
+        <p:txBody>
+          <a:bodyPr>
+            <a:normAutofit fontScale="85000" lnSpcReduction="10000"/>
+          </a:bodyPr>
+          <a:lstStyle/>
+          <a:p>
+            <a:r>
+              <a:rPr lang="en-US" dirty="0">
+                <a:solidFill>
+                  <a:schemeClr val="bg1"/>
+                </a:solidFill>
+              </a:rPr>
+              <a:t>When the NASA program was first started in 1959, it was only populated by males who had military background.</a:t>
+            </a:r>
+          </a:p>
+          <a:p>
+            <a:endParaRPr lang="en-US" dirty="0">
+              <a:solidFill>
+                <a:schemeClr val="bg1"/>
+              </a:solidFill>
+            </a:endParaRPr>
+          </a:p>
+          <a:p>
+            <a:r>
+              <a:rPr lang="en-US" dirty="0">
+                <a:solidFill>
+                  <a:schemeClr val="bg1"/>
+                </a:solidFill>
+              </a:rPr>
+              <a:t>It was not until 1978 that the first females were selected as astronaut candidates</a:t>
+            </a:r>
+          </a:p>
+          <a:p>
+            <a:endParaRPr lang="en-US" dirty="0">
+              <a:solidFill>
+                <a:schemeClr val="bg1"/>
+              </a:solidFill>
+            </a:endParaRPr>
+          </a:p>
+          <a:p>
+            <a:r>
+              <a:rPr lang="en-US" dirty="0">
+                <a:solidFill>
+                  <a:schemeClr val="bg1"/>
+                </a:solidFill>
+              </a:rPr>
+              <a:t>Every year from then on,  the intake of females into the program are always less then those of male accepted into the NASA program</a:t>
+            </a:r>
+          </a:p>
+          <a:p>
+            <a:endParaRPr lang="en-US" dirty="0"/>
+          </a:p>
+        </p:txBody>
+      </p:sp>
+      <p:pic>
+        <p:nvPicPr>
+          <p:cNvPr id="5" name="Picture 4">
+            <a:extLst>
+              <a:ext uri="{FF2B5EF4-FFF2-40B4-BE49-F238E27FC236}">
+                <a16:creationId xmlns:a16="http://schemas.microsoft.com/office/drawing/2014/main" id="{B6855DBD-D0B7-F819-CA9B-10C285FEB969}"/>
+              </a:ext>
+            </a:extLst>
+          </p:cNvPr>
+          <p:cNvPicPr>
+            <a:picLocks noChangeAspect="1"/>
+          </p:cNvPicPr>
+          <p:nvPr/>
+        </p:nvPicPr>
+        <p:blipFill>
+          <a:blip r:embed="rId3"/>
+          <a:stretch>
+            <a:fillRect/>
+          </a:stretch>
+        </p:blipFill>
+        <p:spPr>
+          <a:xfrm>
+            <a:off x="1085544" y="1610746"/>
+            <a:ext cx="6395258" cy="3779848"/>
+          </a:xfrm>
+          <a:prstGeom prst="rect">
+            <a:avLst/>
+          </a:prstGeom>
+        </p:spPr>
+      </p:pic>
+    </p:spTree>
+    <p:extLst>
+      <p:ext uri="{BB962C8B-B14F-4D97-AF65-F5344CB8AC3E}">
+        <p14:creationId xmlns:p14="http://schemas.microsoft.com/office/powerpoint/2010/main" val="2351277852"/>
+      </p:ext>
+    </p:extLst>
+  </p:cSld>
+  <p:clrMapOvr>
+    <a:masterClrMapping/>
+  </p:clrMapOvr>
+</p:sld>
+</file>
+
+<file path=ppt/slides/slide21.xml><?xml version="1.0" encoding="utf-8"?>
+<p:sld xmlns:a="http://schemas.openxmlformats.org/drawingml/2006/main" xmlns:r="http://schemas.openxmlformats.org/officeDocument/2006/relationships" xmlns:p="http://schemas.openxmlformats.org/presentationml/2006/main">
+  <p:cSld>
+    <p:bg>
+      <p:bgPr>
+        <a:blipFill dpi="0" rotWithShape="1">
+          <a:blip r:embed="rId2">
+            <a:lum/>
+          </a:blip>
+          <a:srcRect/>
+          <a:stretch>
+            <a:fillRect t="-17000" b="-17000"/>
+          </a:stretch>
+        </a:blipFill>
+        <a:effectLst/>
+      </p:bgPr>
+    </p:bg>
+    <p:spTree>
+      <p:nvGrpSpPr>
+        <p:cNvPr id="1" name=""/>
+        <p:cNvGrpSpPr/>
+        <p:nvPr/>
+      </p:nvGrpSpPr>
+      <p:grpSpPr>
+        <a:xfrm>
+          <a:off x="0" y="0"/>
+          <a:ext cx="0" cy="0"/>
+          <a:chOff x="0" y="0"/>
+          <a:chExt cx="0" cy="0"/>
+        </a:xfrm>
+      </p:grpSpPr>
+      <p:sp>
+        <p:nvSpPr>
+          <p:cNvPr id="2" name="Title 1">
+            <a:extLst>
+              <a:ext uri="{FF2B5EF4-FFF2-40B4-BE49-F238E27FC236}">
+                <a16:creationId xmlns:a16="http://schemas.microsoft.com/office/drawing/2014/main" id="{08831C96-6067-EDAF-56CF-8022B1C2CB67}"/>
+              </a:ext>
+            </a:extLst>
+          </p:cNvPr>
+          <p:cNvSpPr>
+            <a:spLocks noGrp="1"/>
+          </p:cNvSpPr>
+          <p:nvPr>
+            <p:ph type="title"/>
+          </p:nvPr>
+        </p:nvSpPr>
+        <p:spPr>
+          <a:xfrm>
+            <a:off x="1400328" y="122450"/>
+            <a:ext cx="10134600" cy="1288489"/>
+          </a:xfrm>
+        </p:spPr>
+        <p:txBody>
+          <a:bodyPr>
+            <a:normAutofit fontScale="90000"/>
+          </a:bodyPr>
+          <a:lstStyle/>
+          <a:p>
+            <a:r>
+              <a:rPr lang="en-US" dirty="0">
+                <a:solidFill>
+                  <a:schemeClr val="bg1"/>
+                </a:solidFill>
+              </a:rPr>
+              <a:t>Results: Ratio of males to females that are sent on space missions</a:t>
+            </a:r>
+            <a:br>
+              <a:rPr lang="en-US" dirty="0"/>
+            </a:br>
+            <a:endParaRPr lang="en-US" dirty="0"/>
+          </a:p>
+        </p:txBody>
+      </p:sp>
+      <p:sp>
+        <p:nvSpPr>
+          <p:cNvPr id="3" name="Content Placeholder 2">
+            <a:extLst>
+              <a:ext uri="{FF2B5EF4-FFF2-40B4-BE49-F238E27FC236}">
+                <a16:creationId xmlns:a16="http://schemas.microsoft.com/office/drawing/2014/main" id="{2CDDB2AF-7FF2-CB03-720A-464F05008A7E}"/>
+              </a:ext>
+            </a:extLst>
+          </p:cNvPr>
+          <p:cNvSpPr>
+            <a:spLocks noGrp="1"/>
+          </p:cNvSpPr>
+          <p:nvPr>
+            <p:ph idx="1"/>
+          </p:nvPr>
+        </p:nvSpPr>
+        <p:spPr>
+          <a:xfrm>
+            <a:off x="1028700" y="2161903"/>
+            <a:ext cx="3289028" cy="3969342"/>
+          </a:xfrm>
+        </p:spPr>
+        <p:txBody>
+          <a:bodyPr/>
+          <a:lstStyle/>
+          <a:p>
+            <a:r>
+              <a:rPr lang="en-US" dirty="0">
+                <a:solidFill>
+                  <a:schemeClr val="bg1"/>
+                </a:solidFill>
+              </a:rPr>
+              <a:t>While Males had a greater number of collective hours on Space flights and Space Walks, females had a higher average of individual hours compared to number of females who were sent on missions! </a:t>
+            </a:r>
+          </a:p>
+          <a:p>
+            <a:endParaRPr lang="en-US" dirty="0"/>
+          </a:p>
+        </p:txBody>
+      </p:sp>
+      <p:pic>
+        <p:nvPicPr>
+          <p:cNvPr id="4" name="Picture 3">
+            <a:extLst>
+              <a:ext uri="{FF2B5EF4-FFF2-40B4-BE49-F238E27FC236}">
+                <a16:creationId xmlns:a16="http://schemas.microsoft.com/office/drawing/2014/main" id="{946318EE-C287-C750-3DE7-A91F5C13D75E}"/>
+              </a:ext>
+            </a:extLst>
+          </p:cNvPr>
+          <p:cNvPicPr>
+            <a:picLocks noChangeAspect="1"/>
+          </p:cNvPicPr>
+          <p:nvPr/>
+        </p:nvPicPr>
+        <p:blipFill>
+          <a:blip r:embed="rId3"/>
+          <a:stretch>
+            <a:fillRect/>
+          </a:stretch>
+        </p:blipFill>
+        <p:spPr>
+          <a:xfrm>
+            <a:off x="6014273" y="1455263"/>
+            <a:ext cx="3871296" cy="4761389"/>
+          </a:xfrm>
+          <a:prstGeom prst="rect">
+            <a:avLst/>
+          </a:prstGeom>
+        </p:spPr>
+      </p:pic>
+    </p:spTree>
+    <p:extLst>
+      <p:ext uri="{BB962C8B-B14F-4D97-AF65-F5344CB8AC3E}">
+        <p14:creationId xmlns:p14="http://schemas.microsoft.com/office/powerpoint/2010/main" val="676065464"/>
+      </p:ext>
+    </p:extLst>
+  </p:cSld>
+  <p:clrMapOvr>
+    <a:masterClrMapping/>
+  </p:clrMapOvr>
+</p:sld>
+</file>
+
+<file path=ppt/slides/slide22.xml><?xml version="1.0" encoding="utf-8"?>
+<p:sld xmlns:a="http://schemas.openxmlformats.org/drawingml/2006/main" xmlns:r="http://schemas.openxmlformats.org/officeDocument/2006/relationships" xmlns:p="http://schemas.openxmlformats.org/presentationml/2006/main">
+  <p:cSld>
+    <p:bg>
+      <p:bgPr>
+        <a:blipFill dpi="0" rotWithShape="1">
+          <a:blip r:embed="rId2">
+            <a:lum/>
+          </a:blip>
+          <a:srcRect/>
+          <a:stretch>
+            <a:fillRect t="-17000" b="-17000"/>
+          </a:stretch>
+        </a:blipFill>
+        <a:effectLst/>
+      </p:bgPr>
+    </p:bg>
+    <p:spTree>
+      <p:nvGrpSpPr>
+        <p:cNvPr id="1" name=""/>
+        <p:cNvGrpSpPr/>
+        <p:nvPr/>
+      </p:nvGrpSpPr>
+      <p:grpSpPr>
+        <a:xfrm>
+          <a:off x="0" y="0"/>
+          <a:ext cx="0" cy="0"/>
+          <a:chOff x="0" y="0"/>
+          <a:chExt cx="0" cy="0"/>
+        </a:xfrm>
+      </p:grpSpPr>
+      <p:sp>
+        <p:nvSpPr>
+          <p:cNvPr id="2" name="Title 1">
+            <a:extLst>
+              <a:ext uri="{FF2B5EF4-FFF2-40B4-BE49-F238E27FC236}">
+                <a16:creationId xmlns:a16="http://schemas.microsoft.com/office/drawing/2014/main" id="{9BF3279E-09D4-483A-A4E3-5FE0FE86C772}"/>
+              </a:ext>
+            </a:extLst>
+          </p:cNvPr>
+          <p:cNvSpPr>
+            <a:spLocks noGrp="1"/>
+          </p:cNvSpPr>
+          <p:nvPr>
+            <p:ph type="title"/>
+          </p:nvPr>
+        </p:nvSpPr>
+        <p:spPr>
+          <a:xfrm>
+            <a:off x="984691" y="-175831"/>
+            <a:ext cx="10134600" cy="1288489"/>
+          </a:xfrm>
+        </p:spPr>
+        <p:txBody>
+          <a:bodyPr/>
+          <a:lstStyle/>
+          <a:p>
+            <a:pPr algn="ctr"/>
+            <a:r>
+              <a:rPr lang="en-US" dirty="0">
+                <a:solidFill>
+                  <a:schemeClr val="bg1"/>
+                </a:solidFill>
+              </a:rPr>
+              <a:t>Results: Exploratory Findings</a:t>
+            </a:r>
+          </a:p>
+        </p:txBody>
+      </p:sp>
+      <p:sp>
+        <p:nvSpPr>
+          <p:cNvPr id="3" name="Content Placeholder 2">
+            <a:extLst>
+              <a:ext uri="{FF2B5EF4-FFF2-40B4-BE49-F238E27FC236}">
+                <a16:creationId xmlns:a16="http://schemas.microsoft.com/office/drawing/2014/main" id="{1FF866EE-AC7E-E97A-9BB1-B8B84D031B80}"/>
+              </a:ext>
+            </a:extLst>
+          </p:cNvPr>
+          <p:cNvSpPr>
+            <a:spLocks noGrp="1"/>
+          </p:cNvSpPr>
+          <p:nvPr>
+            <p:ph idx="1"/>
+          </p:nvPr>
+        </p:nvSpPr>
+        <p:spPr>
+          <a:xfrm>
+            <a:off x="7238797" y="1580012"/>
+            <a:ext cx="4438141" cy="3969342"/>
+          </a:xfrm>
+        </p:spPr>
+        <p:txBody>
+          <a:bodyPr>
+            <a:normAutofit fontScale="85000" lnSpcReduction="10000"/>
+          </a:bodyPr>
+          <a:lstStyle/>
+          <a:p>
+            <a:r>
+              <a:rPr lang="en-US" dirty="0">
+                <a:solidFill>
+                  <a:schemeClr val="bg1"/>
+                </a:solidFill>
+              </a:rPr>
+              <a:t>The US produces the most astronauts with the Soviet Union and Russia producing the second and third most astronauts</a:t>
+            </a:r>
+          </a:p>
+          <a:p>
+            <a:endParaRPr lang="en-US" dirty="0">
+              <a:solidFill>
+                <a:schemeClr val="bg1"/>
+              </a:solidFill>
+            </a:endParaRPr>
+          </a:p>
+          <a:p>
+            <a:r>
+              <a:rPr lang="en-US" dirty="0">
+                <a:solidFill>
+                  <a:schemeClr val="bg1"/>
+                </a:solidFill>
+              </a:rPr>
+              <a:t>We also compared other countries hiring of female astronauts.</a:t>
+            </a:r>
+          </a:p>
+          <a:p>
+            <a:endParaRPr lang="en-US" dirty="0">
+              <a:solidFill>
+                <a:schemeClr val="bg1"/>
+              </a:solidFill>
+            </a:endParaRPr>
+          </a:p>
+          <a:p>
+            <a:r>
+              <a:rPr lang="en-US" dirty="0">
+                <a:solidFill>
+                  <a:schemeClr val="bg1"/>
+                </a:solidFill>
+              </a:rPr>
+              <a:t>Only 9 countries hired both male and female astronauts. </a:t>
+            </a:r>
+          </a:p>
+          <a:p>
+            <a:endParaRPr lang="en-US" dirty="0">
+              <a:solidFill>
+                <a:schemeClr val="bg1"/>
+              </a:solidFill>
+            </a:endParaRPr>
+          </a:p>
+          <a:p>
+            <a:r>
+              <a:rPr lang="en-US" dirty="0">
+                <a:solidFill>
+                  <a:schemeClr val="bg1"/>
+                </a:solidFill>
+              </a:rPr>
+              <a:t>2 countries (Iran and South Korea) only have females representing their countries as astronauts. </a:t>
+            </a:r>
+          </a:p>
+        </p:txBody>
+      </p:sp>
+      <p:pic>
+        <p:nvPicPr>
+          <p:cNvPr id="4" name="Picture 3">
+            <a:extLst>
+              <a:ext uri="{FF2B5EF4-FFF2-40B4-BE49-F238E27FC236}">
+                <a16:creationId xmlns:a16="http://schemas.microsoft.com/office/drawing/2014/main" id="{9013C1C3-518B-5594-0CD7-0E2D360B05B0}"/>
+              </a:ext>
+            </a:extLst>
+          </p:cNvPr>
+          <p:cNvPicPr>
+            <a:picLocks noChangeAspect="1"/>
+          </p:cNvPicPr>
+          <p:nvPr/>
+        </p:nvPicPr>
+        <p:blipFill>
+          <a:blip r:embed="rId3"/>
+          <a:stretch>
+            <a:fillRect/>
+          </a:stretch>
+        </p:blipFill>
+        <p:spPr>
+          <a:xfrm>
+            <a:off x="373832" y="1340679"/>
+            <a:ext cx="6761050" cy="4919898"/>
+          </a:xfrm>
+          <a:prstGeom prst="rect">
+            <a:avLst/>
+          </a:prstGeom>
+        </p:spPr>
+      </p:pic>
+    </p:spTree>
+    <p:extLst>
+      <p:ext uri="{BB962C8B-B14F-4D97-AF65-F5344CB8AC3E}">
+        <p14:creationId xmlns:p14="http://schemas.microsoft.com/office/powerpoint/2010/main" val="2560570133"/>
+      </p:ext>
+    </p:extLst>
+  </p:cSld>
+  <p:clrMapOvr>
+    <a:masterClrMapping/>
+  </p:clrMapOvr>
+</p:sld>
+</file>
+
+<file path=ppt/slides/slide23.xml><?xml version="1.0" encoding="utf-8"?>
+<p:sld xmlns:a="http://schemas.openxmlformats.org/drawingml/2006/main" xmlns:r="http://schemas.openxmlformats.org/officeDocument/2006/relationships" xmlns:p="http://schemas.openxmlformats.org/presentationml/2006/main">
+  <p:cSld>
+    <p:bg>
+      <p:bgPr>
+        <a:blipFill dpi="0" rotWithShape="1">
+          <a:blip r:embed="rId2">
+            <a:lum/>
+          </a:blip>
+          <a:srcRect/>
+          <a:stretch>
+            <a:fillRect t="-17000" b="-17000"/>
+          </a:stretch>
+        </a:blipFill>
+        <a:effectLst/>
+      </p:bgPr>
+    </p:bg>
+    <p:spTree>
+      <p:nvGrpSpPr>
+        <p:cNvPr id="1" name=""/>
+        <p:cNvGrpSpPr/>
+        <p:nvPr/>
+      </p:nvGrpSpPr>
+      <p:grpSpPr>
+        <a:xfrm>
+          <a:off x="0" y="0"/>
+          <a:ext cx="0" cy="0"/>
+          <a:chOff x="0" y="0"/>
+          <a:chExt cx="0" cy="0"/>
+        </a:xfrm>
+      </p:grpSpPr>
+      <p:sp>
+        <p:nvSpPr>
+          <p:cNvPr id="2" name="Title 1">
+            <a:extLst>
+              <a:ext uri="{FF2B5EF4-FFF2-40B4-BE49-F238E27FC236}">
+                <a16:creationId xmlns:a16="http://schemas.microsoft.com/office/drawing/2014/main" id="{DF05D5D9-BBBD-F238-9E5E-1DBA71D9B84D}"/>
+              </a:ext>
+            </a:extLst>
+          </p:cNvPr>
+          <p:cNvSpPr>
+            <a:spLocks noGrp="1"/>
+          </p:cNvSpPr>
+          <p:nvPr>
+            <p:ph type="title"/>
+          </p:nvPr>
+        </p:nvSpPr>
+        <p:spPr/>
+        <p:txBody>
+          <a:bodyPr>
+            <a:normAutofit fontScale="90000"/>
+          </a:bodyPr>
+          <a:lstStyle/>
+          <a:p>
+            <a:pPr algn="ctr"/>
+            <a:r>
+              <a:rPr lang="en-US" sz="2200" dirty="0">
+                <a:solidFill>
+                  <a:schemeClr val="bg1"/>
+                </a:solidFill>
+              </a:rPr>
+              <a:t>When we questioned if the budget had any influence on the hiring of females, we found that it had no significant influence on it at all. </a:t>
+            </a:r>
+            <a:br>
+              <a:rPr lang="en-US" dirty="0"/>
+            </a:br>
+            <a:endParaRPr lang="en-US" dirty="0"/>
+          </a:p>
+        </p:txBody>
+      </p:sp>
+      <p:pic>
+        <p:nvPicPr>
+          <p:cNvPr id="4" name="Content Placeholder 3">
+            <a:extLst>
+              <a:ext uri="{FF2B5EF4-FFF2-40B4-BE49-F238E27FC236}">
+                <a16:creationId xmlns:a16="http://schemas.microsoft.com/office/drawing/2014/main" id="{ED2063F9-B49C-9BB8-65B6-C9B1B490BD63}"/>
+              </a:ext>
+            </a:extLst>
+          </p:cNvPr>
+          <p:cNvPicPr>
+            <a:picLocks noGrp="1" noChangeAspect="1"/>
+          </p:cNvPicPr>
+          <p:nvPr>
+            <p:ph idx="1"/>
+          </p:nvPr>
+        </p:nvPicPr>
+        <p:blipFill>
+          <a:blip r:embed="rId3"/>
+          <a:stretch>
+            <a:fillRect/>
+          </a:stretch>
+        </p:blipFill>
+        <p:spPr>
+          <a:xfrm>
+            <a:off x="1610092" y="2162175"/>
+            <a:ext cx="8971815" cy="3968750"/>
+          </a:xfrm>
+          <a:prstGeom prst="rect">
+            <a:avLst/>
+          </a:prstGeom>
+        </p:spPr>
+      </p:pic>
+    </p:spTree>
+    <p:extLst>
+      <p:ext uri="{BB962C8B-B14F-4D97-AF65-F5344CB8AC3E}">
+        <p14:creationId xmlns:p14="http://schemas.microsoft.com/office/powerpoint/2010/main" val="929452767"/>
+      </p:ext>
+    </p:extLst>
+  </p:cSld>
+  <p:clrMapOvr>
+    <a:masterClrMapping/>
+  </p:clrMapOvr>
+</p:sld>
+</file>
+
+<file path=ppt/slides/slide24.xml><?xml version="1.0" encoding="utf-8"?>
+<p:sld xmlns:a="http://schemas.openxmlformats.org/drawingml/2006/main" xmlns:r="http://schemas.openxmlformats.org/officeDocument/2006/relationships" xmlns:p="http://schemas.openxmlformats.org/presentationml/2006/main">
+  <p:cSld>
+    <p:bg>
+      <p:bgPr>
+        <a:blipFill dpi="0" rotWithShape="1">
+          <a:blip r:embed="rId2">
+            <a:lum/>
+          </a:blip>
+          <a:srcRect/>
+          <a:stretch>
+            <a:fillRect t="-17000" b="-17000"/>
+          </a:stretch>
+        </a:blipFill>
+        <a:effectLst/>
+      </p:bgPr>
+    </p:bg>
+    <p:spTree>
+      <p:nvGrpSpPr>
+        <p:cNvPr id="1" name=""/>
+        <p:cNvGrpSpPr/>
+        <p:nvPr/>
+      </p:nvGrpSpPr>
+      <p:grpSpPr>
+        <a:xfrm>
+          <a:off x="0" y="0"/>
+          <a:ext cx="0" cy="0"/>
+          <a:chOff x="0" y="0"/>
+          <a:chExt cx="0" cy="0"/>
+        </a:xfrm>
+      </p:grpSpPr>
+      <p:sp>
+        <p:nvSpPr>
+          <p:cNvPr id="2" name="Title 1">
+            <a:extLst>
+              <a:ext uri="{FF2B5EF4-FFF2-40B4-BE49-F238E27FC236}">
+                <a16:creationId xmlns:a16="http://schemas.microsoft.com/office/drawing/2014/main" id="{1C4AB8AB-A342-71C3-6504-7FE01EFAE137}"/>
+              </a:ext>
+            </a:extLst>
+          </p:cNvPr>
+          <p:cNvSpPr>
+            <a:spLocks noGrp="1"/>
+          </p:cNvSpPr>
+          <p:nvPr>
+            <p:ph type="title"/>
+          </p:nvPr>
+        </p:nvSpPr>
+        <p:spPr>
+          <a:xfrm>
+            <a:off x="1199844" y="873686"/>
+            <a:ext cx="10134600" cy="1288489"/>
+          </a:xfrm>
+        </p:spPr>
+        <p:txBody>
+          <a:bodyPr>
+            <a:normAutofit fontScale="90000"/>
+          </a:bodyPr>
+          <a:lstStyle/>
+          <a:p>
+            <a:pPr algn="ctr"/>
+            <a:r>
+              <a:rPr lang="en-US" sz="2700" dirty="0">
+                <a:solidFill>
+                  <a:schemeClr val="bg1"/>
+                </a:solidFill>
+              </a:rPr>
+              <a:t>We also questioned if the budget had any influence on the hiring of males, and found that it had no significant influence on hiring practices at all. </a:t>
+            </a:r>
+            <a:br>
+              <a:rPr lang="en-US" dirty="0"/>
+            </a:br>
+            <a:endParaRPr lang="en-US" dirty="0"/>
+          </a:p>
+        </p:txBody>
+      </p:sp>
+      <p:pic>
+        <p:nvPicPr>
+          <p:cNvPr id="4" name="Content Placeholder 3">
+            <a:extLst>
+              <a:ext uri="{FF2B5EF4-FFF2-40B4-BE49-F238E27FC236}">
+                <a16:creationId xmlns:a16="http://schemas.microsoft.com/office/drawing/2014/main" id="{8169F20F-D4A4-9320-CDE6-20FBD988400E}"/>
+              </a:ext>
+            </a:extLst>
+          </p:cNvPr>
+          <p:cNvPicPr>
+            <a:picLocks noGrp="1" noChangeAspect="1"/>
+          </p:cNvPicPr>
+          <p:nvPr>
+            <p:ph idx="1"/>
+          </p:nvPr>
+        </p:nvPicPr>
+        <p:blipFill>
+          <a:blip r:embed="rId3"/>
+          <a:stretch>
+            <a:fillRect/>
+          </a:stretch>
+        </p:blipFill>
+        <p:spPr>
+          <a:xfrm>
+            <a:off x="1634955" y="2162175"/>
+            <a:ext cx="8922090" cy="3968750"/>
+          </a:xfrm>
+          <a:prstGeom prst="rect">
+            <a:avLst/>
+          </a:prstGeom>
+        </p:spPr>
+      </p:pic>
+    </p:spTree>
+    <p:extLst>
+      <p:ext uri="{BB962C8B-B14F-4D97-AF65-F5344CB8AC3E}">
+        <p14:creationId xmlns:p14="http://schemas.microsoft.com/office/powerpoint/2010/main" val="2007040970"/>
+      </p:ext>
+    </p:extLst>
+  </p:cSld>
+  <p:clrMapOvr>
+    <a:masterClrMapping/>
+  </p:clrMapOvr>
+</p:sld>
+</file>
+
+<file path=ppt/slides/slide25.xml><?xml version="1.0" encoding="utf-8"?>
+<p:sld xmlns:a="http://schemas.openxmlformats.org/drawingml/2006/main" xmlns:r="http://schemas.openxmlformats.org/officeDocument/2006/relationships" xmlns:p="http://schemas.openxmlformats.org/presentationml/2006/main">
+  <p:cSld>
+    <p:bg>
+      <p:bgPr>
+        <a:blipFill dpi="0" rotWithShape="1">
+          <a:blip r:embed="rId2">
+            <a:lum/>
+          </a:blip>
+          <a:srcRect/>
+          <a:stretch>
+            <a:fillRect t="-17000" b="-17000"/>
+          </a:stretch>
+        </a:blipFill>
+        <a:effectLst/>
+      </p:bgPr>
+    </p:bg>
+    <p:spTree>
+      <p:nvGrpSpPr>
+        <p:cNvPr id="1" name=""/>
+        <p:cNvGrpSpPr/>
+        <p:nvPr/>
+      </p:nvGrpSpPr>
+      <p:grpSpPr>
+        <a:xfrm>
+          <a:off x="0" y="0"/>
+          <a:ext cx="0" cy="0"/>
+          <a:chOff x="0" y="0"/>
+          <a:chExt cx="0" cy="0"/>
+        </a:xfrm>
+      </p:grpSpPr>
+      <p:sp>
+        <p:nvSpPr>
+          <p:cNvPr id="2" name="Title 1">
+            <a:extLst>
+              <a:ext uri="{FF2B5EF4-FFF2-40B4-BE49-F238E27FC236}">
+                <a16:creationId xmlns:a16="http://schemas.microsoft.com/office/drawing/2014/main" id="{C3A9CF40-2389-AF66-C3DF-670449179B0D}"/>
+              </a:ext>
+            </a:extLst>
+          </p:cNvPr>
+          <p:cNvSpPr>
+            <a:spLocks noGrp="1"/>
+          </p:cNvSpPr>
+          <p:nvPr>
+            <p:ph type="title"/>
+          </p:nvPr>
+        </p:nvSpPr>
+        <p:spPr/>
+        <p:txBody>
+          <a:bodyPr/>
+          <a:lstStyle/>
+          <a:p>
+            <a:pPr algn="ctr"/>
+            <a:r>
+              <a:rPr lang="en-US" dirty="0">
+                <a:solidFill>
+                  <a:schemeClr val="bg1"/>
+                </a:solidFill>
+              </a:rPr>
+              <a:t>Summary/Regroup</a:t>
+            </a:r>
+          </a:p>
+        </p:txBody>
+      </p:sp>
+      <p:sp>
+        <p:nvSpPr>
+          <p:cNvPr id="3" name="Content Placeholder 2">
+            <a:extLst>
+              <a:ext uri="{FF2B5EF4-FFF2-40B4-BE49-F238E27FC236}">
+                <a16:creationId xmlns:a16="http://schemas.microsoft.com/office/drawing/2014/main" id="{E0B9DA3E-595F-D9F7-F487-C328DB636FF1}"/>
+              </a:ext>
+            </a:extLst>
+          </p:cNvPr>
+          <p:cNvSpPr>
+            <a:spLocks noGrp="1"/>
+          </p:cNvSpPr>
+          <p:nvPr>
+            <p:ph idx="1"/>
+          </p:nvPr>
+        </p:nvSpPr>
+        <p:spPr/>
+        <p:txBody>
+          <a:bodyPr/>
+          <a:lstStyle/>
+          <a:p>
+            <a:endParaRPr lang="en-US"/>
+          </a:p>
+        </p:txBody>
+      </p:sp>
+    </p:spTree>
+    <p:extLst>
+      <p:ext uri="{BB962C8B-B14F-4D97-AF65-F5344CB8AC3E}">
+        <p14:creationId xmlns:p14="http://schemas.microsoft.com/office/powerpoint/2010/main" val="4102225995"/>
+      </p:ext>
+    </p:extLst>
+  </p:cSld>
+  <p:clrMapOvr>
+    <a:masterClrMapping/>
+  </p:clrMapOvr>
+</p:sld>
+</file>
+
+<file path=ppt/slides/slide26.xml><?xml version="1.0" encoding="utf-8"?>
+<p:sld xmlns:a="http://schemas.openxmlformats.org/drawingml/2006/main" xmlns:r="http://schemas.openxmlformats.org/officeDocument/2006/relationships" xmlns:p="http://schemas.openxmlformats.org/presentationml/2006/main">
+  <p:cSld>
+    <p:bg>
+      <p:bgPr>
+        <a:blipFill dpi="0" rotWithShape="1">
+          <a:blip r:embed="rId2">
+            <a:lum/>
+          </a:blip>
+          <a:srcRect/>
+          <a:stretch>
+            <a:fillRect t="-17000" b="-17000"/>
+          </a:stretch>
+        </a:blipFill>
+        <a:effectLst/>
+      </p:bgPr>
+    </p:bg>
+    <p:spTree>
+      <p:nvGrpSpPr>
+        <p:cNvPr id="1" name=""/>
+        <p:cNvGrpSpPr/>
+        <p:nvPr/>
+      </p:nvGrpSpPr>
+      <p:grpSpPr>
+        <a:xfrm>
+          <a:off x="0" y="0"/>
+          <a:ext cx="0" cy="0"/>
+          <a:chOff x="0" y="0"/>
+          <a:chExt cx="0" cy="0"/>
+        </a:xfrm>
+      </p:grpSpPr>
+      <p:sp>
+        <p:nvSpPr>
+          <p:cNvPr id="2" name="Title 1">
+            <a:extLst>
+              <a:ext uri="{FF2B5EF4-FFF2-40B4-BE49-F238E27FC236}">
+                <a16:creationId xmlns:a16="http://schemas.microsoft.com/office/drawing/2014/main" id="{F47FA9F6-DC5F-BBB3-EACC-832323D4F2B6}"/>
+              </a:ext>
+            </a:extLst>
+          </p:cNvPr>
+          <p:cNvSpPr>
+            <a:spLocks noGrp="1"/>
+          </p:cNvSpPr>
+          <p:nvPr>
+            <p:ph type="title"/>
+          </p:nvPr>
+        </p:nvSpPr>
+        <p:spPr/>
+        <p:txBody>
+          <a:bodyPr/>
+          <a:lstStyle/>
+          <a:p>
+            <a:pPr algn="ctr"/>
+            <a:r>
+              <a:rPr lang="en-US" dirty="0">
+                <a:solidFill>
+                  <a:schemeClr val="bg1"/>
+                </a:solidFill>
+              </a:rPr>
+              <a:t>Conclusion</a:t>
+            </a:r>
+          </a:p>
+        </p:txBody>
+      </p:sp>
+      <p:sp>
+        <p:nvSpPr>
+          <p:cNvPr id="3" name="Content Placeholder 2">
+            <a:extLst>
+              <a:ext uri="{FF2B5EF4-FFF2-40B4-BE49-F238E27FC236}">
+                <a16:creationId xmlns:a16="http://schemas.microsoft.com/office/drawing/2014/main" id="{B60B4124-3471-DD01-C699-CBECB0EBBAB0}"/>
+              </a:ext>
+            </a:extLst>
+          </p:cNvPr>
+          <p:cNvSpPr>
+            <a:spLocks noGrp="1"/>
+          </p:cNvSpPr>
+          <p:nvPr>
+            <p:ph idx="1"/>
+          </p:nvPr>
+        </p:nvSpPr>
+        <p:spPr/>
+        <p:txBody>
+          <a:bodyPr>
+            <a:normAutofit fontScale="92500" lnSpcReduction="10000"/>
+          </a:bodyPr>
+          <a:lstStyle/>
+          <a:p>
+            <a:r>
+              <a:rPr lang="en-US" dirty="0">
+                <a:solidFill>
+                  <a:schemeClr val="bg1"/>
+                </a:solidFill>
+              </a:rPr>
+              <a:t>How do your findings impact the world at large?</a:t>
+            </a:r>
+          </a:p>
+          <a:p>
+            <a:r>
+              <a:rPr lang="en-US" dirty="0">
+                <a:solidFill>
+                  <a:schemeClr val="bg1"/>
+                </a:solidFill>
+              </a:rPr>
+              <a:t>Our findings impact the world at large because it paints a picture of what an astronaut looks like and makes it </a:t>
+            </a:r>
+          </a:p>
+          <a:p>
+            <a:r>
+              <a:rPr lang="en-US" dirty="0">
+                <a:solidFill>
+                  <a:schemeClr val="bg1"/>
+                </a:solidFill>
+              </a:rPr>
+              <a:t>an achievable goal not just for men. In addition to this, space finding impact everyone so it is important that </a:t>
+            </a:r>
+            <a:r>
+              <a:rPr lang="en-US" dirty="0" err="1">
+                <a:solidFill>
+                  <a:schemeClr val="bg1"/>
+                </a:solidFill>
+              </a:rPr>
+              <a:t>everyones</a:t>
+            </a:r>
+            <a:r>
+              <a:rPr lang="en-US" dirty="0">
+                <a:solidFill>
+                  <a:schemeClr val="bg1"/>
+                </a:solidFill>
+              </a:rPr>
+              <a:t> point of view is accounted for. </a:t>
+            </a:r>
+          </a:p>
+          <a:p>
+            <a:r>
+              <a:rPr lang="en-US" dirty="0">
+                <a:solidFill>
+                  <a:schemeClr val="bg1"/>
+                </a:solidFill>
+              </a:rPr>
+              <a:t>What's important about this work?</a:t>
+            </a:r>
+          </a:p>
+          <a:p>
+            <a:r>
+              <a:rPr lang="en-US" dirty="0">
+                <a:solidFill>
+                  <a:schemeClr val="bg1"/>
+                </a:solidFill>
+              </a:rPr>
+              <a:t>This work is important because it shows that this field is not just for men but anyone with in interest in space and that there is room for everyone.</a:t>
+            </a:r>
+          </a:p>
+          <a:p>
+            <a:r>
+              <a:rPr lang="en-US">
+                <a:solidFill>
+                  <a:schemeClr val="bg1"/>
+                </a:solidFill>
+              </a:rPr>
+              <a:t>Overall:</a:t>
+            </a:r>
+            <a:endParaRPr lang="en-US" dirty="0">
+              <a:solidFill>
+                <a:schemeClr val="bg1"/>
+              </a:solidFill>
+            </a:endParaRPr>
+          </a:p>
+          <a:p>
+            <a:r>
+              <a:rPr lang="en-US" dirty="0">
+                <a:solidFill>
+                  <a:schemeClr val="bg1"/>
+                </a:solidFill>
+              </a:rPr>
+              <a:t>Astronauts are becoming more and more diverse. </a:t>
+            </a:r>
+          </a:p>
+        </p:txBody>
+      </p:sp>
+    </p:spTree>
+    <p:extLst>
+      <p:ext uri="{BB962C8B-B14F-4D97-AF65-F5344CB8AC3E}">
+        <p14:creationId xmlns:p14="http://schemas.microsoft.com/office/powerpoint/2010/main" val="2994860772"/>
+      </p:ext>
+    </p:extLst>
+  </p:cSld>
+  <p:clrMapOvr>
+    <a:masterClrMapping/>
+  </p:clrMapOvr>
+</p:sld>
+</file>
+
+<file path=ppt/slides/slide27.xml><?xml version="1.0" encoding="utf-8"?>
 <p:sld xmlns:a="http://schemas.openxmlformats.org/drawingml/2006/main" xmlns:r="http://schemas.openxmlformats.org/officeDocument/2006/relationships" xmlns:p="http://schemas.openxmlformats.org/presentationml/2006/main">
   <p:cSld>
     <p:bg>
